--- a/test.pptx
+++ b/test.pptx
@@ -6,10 +6,19 @@
   </p:sldMasterIdLst>
   <p:sldIdLst>
     <p:sldId id="256" r:id="rId2"/>
-    <p:sldId id="257" r:id="rId3"/>
-    <p:sldId id="258" r:id="rId4"/>
-    <p:sldId id="259" r:id="rId5"/>
-    <p:sldId id="260" r:id="rId6"/>
+    <p:sldId id="258" r:id="rId3"/>
+    <p:sldId id="263" r:id="rId4"/>
+    <p:sldId id="260" r:id="rId5"/>
+    <p:sldId id="259" r:id="rId6"/>
+    <p:sldId id="261" r:id="rId7"/>
+    <p:sldId id="262" r:id="rId8"/>
+    <p:sldId id="264" r:id="rId9"/>
+    <p:sldId id="266" r:id="rId10"/>
+    <p:sldId id="267" r:id="rId11"/>
+    <p:sldId id="269" r:id="rId12"/>
+    <p:sldId id="271" r:id="rId13"/>
+    <p:sldId id="270" r:id="rId14"/>
+    <p:sldId id="268" r:id="rId15"/>
   </p:sldIdLst>
   <p:sldSz cx="9144000" cy="6858000" type="screen4x3"/>
   <p:notesSz cx="6858000" cy="9144000"/>
@@ -293,7 +302,7 @@
             <a:fld id="{530820CF-B880-4189-942D-D702A7CBA730}" type="datetimeFigureOut">
               <a:rPr lang="zh-CN" altLang="en-US" smtClean="0"/>
               <a:pPr/>
-              <a:t>2014/6/13</a:t>
+              <a:t>2014/6/16</a:t>
             </a:fld>
             <a:endParaRPr lang="zh-CN" altLang="en-US"/>
           </a:p>
@@ -460,7 +469,7 @@
             <a:fld id="{530820CF-B880-4189-942D-D702A7CBA730}" type="datetimeFigureOut">
               <a:rPr lang="zh-CN" altLang="en-US" smtClean="0"/>
               <a:pPr/>
-              <a:t>2014/6/13</a:t>
+              <a:t>2014/6/16</a:t>
             </a:fld>
             <a:endParaRPr lang="zh-CN" altLang="en-US"/>
           </a:p>
@@ -637,7 +646,7 @@
             <a:fld id="{530820CF-B880-4189-942D-D702A7CBA730}" type="datetimeFigureOut">
               <a:rPr lang="zh-CN" altLang="en-US" smtClean="0"/>
               <a:pPr/>
-              <a:t>2014/6/13</a:t>
+              <a:t>2014/6/16</a:t>
             </a:fld>
             <a:endParaRPr lang="zh-CN" altLang="en-US"/>
           </a:p>
@@ -804,7 +813,7 @@
             <a:fld id="{530820CF-B880-4189-942D-D702A7CBA730}" type="datetimeFigureOut">
               <a:rPr lang="zh-CN" altLang="en-US" smtClean="0"/>
               <a:pPr/>
-              <a:t>2014/6/13</a:t>
+              <a:t>2014/6/16</a:t>
             </a:fld>
             <a:endParaRPr lang="zh-CN" altLang="en-US"/>
           </a:p>
@@ -1047,7 +1056,7 @@
             <a:fld id="{530820CF-B880-4189-942D-D702A7CBA730}" type="datetimeFigureOut">
               <a:rPr lang="zh-CN" altLang="en-US" smtClean="0"/>
               <a:pPr/>
-              <a:t>2014/6/13</a:t>
+              <a:t>2014/6/16</a:t>
             </a:fld>
             <a:endParaRPr lang="zh-CN" altLang="en-US"/>
           </a:p>
@@ -1332,7 +1341,7 @@
             <a:fld id="{530820CF-B880-4189-942D-D702A7CBA730}" type="datetimeFigureOut">
               <a:rPr lang="zh-CN" altLang="en-US" smtClean="0"/>
               <a:pPr/>
-              <a:t>2014/6/13</a:t>
+              <a:t>2014/6/16</a:t>
             </a:fld>
             <a:endParaRPr lang="zh-CN" altLang="en-US"/>
           </a:p>
@@ -1751,7 +1760,7 @@
             <a:fld id="{530820CF-B880-4189-942D-D702A7CBA730}" type="datetimeFigureOut">
               <a:rPr lang="zh-CN" altLang="en-US" smtClean="0"/>
               <a:pPr/>
-              <a:t>2014/6/13</a:t>
+              <a:t>2014/6/16</a:t>
             </a:fld>
             <a:endParaRPr lang="zh-CN" altLang="en-US"/>
           </a:p>
@@ -1866,7 +1875,7 @@
             <a:fld id="{530820CF-B880-4189-942D-D702A7CBA730}" type="datetimeFigureOut">
               <a:rPr lang="zh-CN" altLang="en-US" smtClean="0"/>
               <a:pPr/>
-              <a:t>2014/6/13</a:t>
+              <a:t>2014/6/16</a:t>
             </a:fld>
             <a:endParaRPr lang="zh-CN" altLang="en-US"/>
           </a:p>
@@ -1958,7 +1967,7 @@
             <a:fld id="{530820CF-B880-4189-942D-D702A7CBA730}" type="datetimeFigureOut">
               <a:rPr lang="zh-CN" altLang="en-US" smtClean="0"/>
               <a:pPr/>
-              <a:t>2014/6/13</a:t>
+              <a:t>2014/6/16</a:t>
             </a:fld>
             <a:endParaRPr lang="zh-CN" altLang="en-US"/>
           </a:p>
@@ -2232,7 +2241,7 @@
             <a:fld id="{530820CF-B880-4189-942D-D702A7CBA730}" type="datetimeFigureOut">
               <a:rPr lang="zh-CN" altLang="en-US" smtClean="0"/>
               <a:pPr/>
-              <a:t>2014/6/13</a:t>
+              <a:t>2014/6/16</a:t>
             </a:fld>
             <a:endParaRPr lang="zh-CN" altLang="en-US"/>
           </a:p>
@@ -2482,7 +2491,7 @@
             <a:fld id="{530820CF-B880-4189-942D-D702A7CBA730}" type="datetimeFigureOut">
               <a:rPr lang="zh-CN" altLang="en-US" smtClean="0"/>
               <a:pPr/>
-              <a:t>2014/6/13</a:t>
+              <a:t>2014/6/16</a:t>
             </a:fld>
             <a:endParaRPr lang="zh-CN" altLang="en-US"/>
           </a:p>
@@ -2692,7 +2701,7 @@
             <a:fld id="{530820CF-B880-4189-942D-D702A7CBA730}" type="datetimeFigureOut">
               <a:rPr lang="zh-CN" altLang="en-US" smtClean="0"/>
               <a:pPr/>
-              <a:t>2014/6/13</a:t>
+              <a:t>2014/6/16</a:t>
             </a:fld>
             <a:endParaRPr lang="zh-CN" altLang="en-US"/>
           </a:p>
@@ -3109,6 +3118,509 @@
 </p:sld>
 </file>
 
+<file path=ppt/slides/slide10.xml><?xml version="1.0" encoding="utf-8"?>
+<p:sld xmlns:a="http://schemas.openxmlformats.org/drawingml/2006/main" xmlns:r="http://schemas.openxmlformats.org/officeDocument/2006/relationships" xmlns:p="http://schemas.openxmlformats.org/presentationml/2006/main">
+  <p:cSld>
+    <p:spTree>
+      <p:nvGrpSpPr>
+        <p:cNvPr id="1" name=""/>
+        <p:cNvGrpSpPr/>
+        <p:nvPr/>
+      </p:nvGrpSpPr>
+      <p:grpSpPr>
+        <a:xfrm>
+          <a:off x="0" y="0"/>
+          <a:ext cx="0" cy="0"/>
+          <a:chOff x="0" y="0"/>
+          <a:chExt cx="0" cy="0"/>
+        </a:xfrm>
+      </p:grpSpPr>
+      <p:sp>
+        <p:nvSpPr>
+          <p:cNvPr id="2" name="标题 1"/>
+          <p:cNvSpPr>
+            <a:spLocks noGrp="1"/>
+          </p:cNvSpPr>
+          <p:nvPr>
+            <p:ph type="title"/>
+          </p:nvPr>
+        </p:nvSpPr>
+        <p:spPr/>
+        <p:txBody>
+          <a:bodyPr/>
+          <a:lstStyle/>
+          <a:p>
+            <a:r>
+              <a:rPr lang="zh-CN" altLang="en-US" dirty="0" smtClean="0"/>
+              <a:t>系统概述：</a:t>
+            </a:r>
+            <a:r>
+              <a:rPr lang="en-US" altLang="zh-CN" dirty="0" smtClean="0"/>
+              <a:t>RDD</a:t>
+            </a:r>
+            <a:endParaRPr lang="zh-CN" altLang="en-US" dirty="0"/>
+          </a:p>
+        </p:txBody>
+      </p:sp>
+      <p:sp>
+        <p:nvSpPr>
+          <p:cNvPr id="3" name="内容占位符 2"/>
+          <p:cNvSpPr>
+            <a:spLocks noGrp="1"/>
+          </p:cNvSpPr>
+          <p:nvPr>
+            <p:ph idx="1"/>
+          </p:nvPr>
+        </p:nvSpPr>
+        <p:spPr/>
+        <p:txBody>
+          <a:bodyPr/>
+          <a:lstStyle/>
+          <a:p>
+            <a:r>
+              <a:rPr lang="zh-CN" altLang="en-US" dirty="0" smtClean="0"/>
+              <a:t>窄依赖</a:t>
+            </a:r>
+            <a:endParaRPr lang="en-US" altLang="zh-CN" dirty="0" smtClean="0"/>
+          </a:p>
+          <a:p>
+            <a:endParaRPr lang="en-US" altLang="zh-CN" dirty="0" smtClean="0"/>
+          </a:p>
+          <a:p>
+            <a:endParaRPr lang="en-US" altLang="zh-CN" dirty="0" smtClean="0"/>
+          </a:p>
+          <a:p>
+            <a:r>
+              <a:rPr lang="zh-CN" altLang="en-US" dirty="0" smtClean="0"/>
+              <a:t>宽依赖</a:t>
+            </a:r>
+            <a:endParaRPr lang="zh-CN" altLang="en-US" dirty="0"/>
+          </a:p>
+        </p:txBody>
+      </p:sp>
+    </p:spTree>
+  </p:cSld>
+  <p:clrMapOvr>
+    <a:masterClrMapping/>
+  </p:clrMapOvr>
+  <p:timing>
+    <p:tnLst>
+      <p:par>
+        <p:cTn id="1" dur="indefinite" restart="never" nodeType="tmRoot"/>
+      </p:par>
+    </p:tnLst>
+  </p:timing>
+</p:sld>
+</file>
+
+<file path=ppt/slides/slide11.xml><?xml version="1.0" encoding="utf-8"?>
+<p:sld xmlns:a="http://schemas.openxmlformats.org/drawingml/2006/main" xmlns:r="http://schemas.openxmlformats.org/officeDocument/2006/relationships" xmlns:p="http://schemas.openxmlformats.org/presentationml/2006/main">
+  <p:cSld>
+    <p:spTree>
+      <p:nvGrpSpPr>
+        <p:cNvPr id="1" name=""/>
+        <p:cNvGrpSpPr/>
+        <p:nvPr/>
+      </p:nvGrpSpPr>
+      <p:grpSpPr>
+        <a:xfrm>
+          <a:off x="0" y="0"/>
+          <a:ext cx="0" cy="0"/>
+          <a:chOff x="0" y="0"/>
+          <a:chExt cx="0" cy="0"/>
+        </a:xfrm>
+      </p:grpSpPr>
+      <p:sp>
+        <p:nvSpPr>
+          <p:cNvPr id="2" name="标题 1"/>
+          <p:cNvSpPr>
+            <a:spLocks noGrp="1"/>
+          </p:cNvSpPr>
+          <p:nvPr>
+            <p:ph type="title"/>
+          </p:nvPr>
+        </p:nvSpPr>
+        <p:spPr/>
+        <p:txBody>
+          <a:bodyPr/>
+          <a:lstStyle/>
+          <a:p>
+            <a:r>
+              <a:rPr lang="zh-CN" altLang="en-US" dirty="0" smtClean="0"/>
+              <a:t>系统概述：</a:t>
+            </a:r>
+            <a:r>
+              <a:rPr lang="en-US" altLang="zh-CN" dirty="0" smtClean="0"/>
+              <a:t>RDD</a:t>
+            </a:r>
+            <a:endParaRPr lang="zh-CN" altLang="en-US" dirty="0"/>
+          </a:p>
+        </p:txBody>
+      </p:sp>
+      <p:sp>
+        <p:nvSpPr>
+          <p:cNvPr id="3" name="内容占位符 2"/>
+          <p:cNvSpPr>
+            <a:spLocks noGrp="1"/>
+          </p:cNvSpPr>
+          <p:nvPr>
+            <p:ph idx="1"/>
+          </p:nvPr>
+        </p:nvSpPr>
+        <p:spPr/>
+        <p:txBody>
+          <a:bodyPr/>
+          <a:lstStyle/>
+          <a:p>
+            <a:r>
+              <a:rPr lang="zh-CN" altLang="en-US" dirty="0" smtClean="0"/>
+              <a:t>其他概念：</a:t>
+            </a:r>
+            <a:endParaRPr lang="en-US" altLang="zh-CN" dirty="0" smtClean="0"/>
+          </a:p>
+          <a:p>
+            <a:r>
+              <a:rPr lang="zh-CN" altLang="en-US" dirty="0" smtClean="0"/>
+              <a:t>分区</a:t>
+            </a:r>
+            <a:endParaRPr lang="en-US" altLang="zh-CN" dirty="0" smtClean="0"/>
+          </a:p>
+          <a:p>
+            <a:r>
+              <a:rPr lang="zh-CN" altLang="en-US" dirty="0" smtClean="0"/>
+              <a:t>数据持久化</a:t>
+            </a:r>
+            <a:endParaRPr lang="en-US" altLang="zh-CN" dirty="0" smtClean="0"/>
+          </a:p>
+          <a:p>
+            <a:endParaRPr lang="zh-CN" altLang="en-US" dirty="0"/>
+          </a:p>
+        </p:txBody>
+      </p:sp>
+    </p:spTree>
+  </p:cSld>
+  <p:clrMapOvr>
+    <a:masterClrMapping/>
+  </p:clrMapOvr>
+</p:sld>
+</file>
+
+<file path=ppt/slides/slide12.xml><?xml version="1.0" encoding="utf-8"?>
+<p:sld xmlns:a="http://schemas.openxmlformats.org/drawingml/2006/main" xmlns:r="http://schemas.openxmlformats.org/officeDocument/2006/relationships" xmlns:p="http://schemas.openxmlformats.org/presentationml/2006/main">
+  <p:cSld>
+    <p:spTree>
+      <p:nvGrpSpPr>
+        <p:cNvPr id="1" name=""/>
+        <p:cNvGrpSpPr/>
+        <p:nvPr/>
+      </p:nvGrpSpPr>
+      <p:grpSpPr>
+        <a:xfrm>
+          <a:off x="0" y="0"/>
+          <a:ext cx="0" cy="0"/>
+          <a:chOff x="0" y="0"/>
+          <a:chExt cx="0" cy="0"/>
+        </a:xfrm>
+      </p:grpSpPr>
+      <p:sp>
+        <p:nvSpPr>
+          <p:cNvPr id="2" name="标题 1"/>
+          <p:cNvSpPr>
+            <a:spLocks noGrp="1"/>
+          </p:cNvSpPr>
+          <p:nvPr>
+            <p:ph type="title"/>
+          </p:nvPr>
+        </p:nvSpPr>
+        <p:spPr/>
+        <p:txBody>
+          <a:bodyPr/>
+          <a:lstStyle/>
+          <a:p>
+            <a:r>
+              <a:rPr lang="zh-CN" altLang="en-US" dirty="0" smtClean="0"/>
+              <a:t>系统概述：</a:t>
+            </a:r>
+            <a:r>
+              <a:rPr lang="en-US" altLang="zh-CN" dirty="0" smtClean="0"/>
+              <a:t>RDD</a:t>
+            </a:r>
+            <a:r>
+              <a:rPr lang="zh-CN" altLang="en-US" dirty="0" smtClean="0"/>
+              <a:t>举例</a:t>
+            </a:r>
+            <a:endParaRPr lang="zh-CN" altLang="en-US" dirty="0"/>
+          </a:p>
+        </p:txBody>
+      </p:sp>
+      <p:sp>
+        <p:nvSpPr>
+          <p:cNvPr id="4" name="内容占位符 3"/>
+          <p:cNvSpPr>
+            <a:spLocks noGrp="1"/>
+          </p:cNvSpPr>
+          <p:nvPr>
+            <p:ph sz="half" idx="2"/>
+          </p:nvPr>
+        </p:nvSpPr>
+        <p:spPr/>
+        <p:txBody>
+          <a:bodyPr>
+            <a:normAutofit/>
+          </a:bodyPr>
+          <a:lstStyle/>
+          <a:p>
+            <a:endParaRPr lang="zh-CN" altLang="en-US" dirty="0"/>
+          </a:p>
+        </p:txBody>
+      </p:sp>
+      <p:pic>
+        <p:nvPicPr>
+          <p:cNvPr id="4098" name="Picture 2"/>
+          <p:cNvPicPr>
+            <a:picLocks noGrp="1" noChangeAspect="1" noChangeArrowheads="1"/>
+          </p:cNvPicPr>
+          <p:nvPr>
+            <p:ph sz="half" idx="1"/>
+          </p:nvPr>
+        </p:nvPicPr>
+        <p:blipFill>
+          <a:blip r:embed="rId2"/>
+          <a:srcRect/>
+          <a:stretch>
+            <a:fillRect/>
+          </a:stretch>
+        </p:blipFill>
+        <p:spPr bwMode="auto">
+          <a:xfrm>
+            <a:off x="457200" y="3159416"/>
+            <a:ext cx="4038600" cy="1407530"/>
+          </a:xfrm>
+          <a:prstGeom prst="rect">
+            <a:avLst/>
+          </a:prstGeom>
+          <a:noFill/>
+          <a:ln w="9525">
+            <a:noFill/>
+            <a:miter lim="800000"/>
+            <a:headEnd/>
+            <a:tailEnd/>
+          </a:ln>
+          <a:effectLst/>
+        </p:spPr>
+      </p:pic>
+    </p:spTree>
+  </p:cSld>
+  <p:clrMapOvr>
+    <a:masterClrMapping/>
+  </p:clrMapOvr>
+</p:sld>
+</file>
+
+<file path=ppt/slides/slide13.xml><?xml version="1.0" encoding="utf-8"?>
+<p:sld xmlns:a="http://schemas.openxmlformats.org/drawingml/2006/main" xmlns:r="http://schemas.openxmlformats.org/officeDocument/2006/relationships" xmlns:p="http://schemas.openxmlformats.org/presentationml/2006/main">
+  <p:cSld>
+    <p:spTree>
+      <p:nvGrpSpPr>
+        <p:cNvPr id="1" name=""/>
+        <p:cNvGrpSpPr/>
+        <p:nvPr/>
+      </p:nvGrpSpPr>
+      <p:grpSpPr>
+        <a:xfrm>
+          <a:off x="0" y="0"/>
+          <a:ext cx="0" cy="0"/>
+          <a:chOff x="0" y="0"/>
+          <a:chExt cx="0" cy="0"/>
+        </a:xfrm>
+      </p:grpSpPr>
+      <p:sp>
+        <p:nvSpPr>
+          <p:cNvPr id="2" name="标题 1"/>
+          <p:cNvSpPr>
+            <a:spLocks noGrp="1"/>
+          </p:cNvSpPr>
+          <p:nvPr>
+            <p:ph type="title"/>
+          </p:nvPr>
+        </p:nvSpPr>
+        <p:spPr/>
+        <p:txBody>
+          <a:bodyPr/>
+          <a:lstStyle/>
+          <a:p>
+            <a:r>
+              <a:rPr lang="zh-CN" altLang="en-US" dirty="0" smtClean="0"/>
+              <a:t>系统概述：</a:t>
+            </a:r>
+            <a:r>
+              <a:rPr lang="en-US" altLang="zh-CN" dirty="0" smtClean="0"/>
+              <a:t>RDD</a:t>
+            </a:r>
+            <a:r>
+              <a:rPr lang="zh-CN" altLang="en-US" dirty="0" smtClean="0"/>
+              <a:t>举例</a:t>
+            </a:r>
+            <a:endParaRPr lang="zh-CN" altLang="en-US" dirty="0"/>
+          </a:p>
+        </p:txBody>
+      </p:sp>
+      <p:pic>
+        <p:nvPicPr>
+          <p:cNvPr id="3074" name="Picture 2"/>
+          <p:cNvPicPr>
+            <a:picLocks noGrp="1" noChangeAspect="1" noChangeArrowheads="1"/>
+          </p:cNvPicPr>
+          <p:nvPr>
+            <p:ph sz="half" idx="1"/>
+          </p:nvPr>
+        </p:nvPicPr>
+        <p:blipFill>
+          <a:blip r:embed="rId2"/>
+          <a:srcRect/>
+          <a:stretch>
+            <a:fillRect/>
+          </a:stretch>
+        </p:blipFill>
+        <p:spPr bwMode="auto">
+          <a:xfrm>
+            <a:off x="457200" y="2640973"/>
+            <a:ext cx="4038600" cy="2444416"/>
+          </a:xfrm>
+          <a:prstGeom prst="rect">
+            <a:avLst/>
+          </a:prstGeom>
+          <a:noFill/>
+          <a:ln w="9525">
+            <a:noFill/>
+            <a:miter lim="800000"/>
+            <a:headEnd/>
+            <a:tailEnd/>
+          </a:ln>
+          <a:effectLst/>
+        </p:spPr>
+      </p:pic>
+      <p:pic>
+        <p:nvPicPr>
+          <p:cNvPr id="3075" name="Picture 3"/>
+          <p:cNvPicPr>
+            <a:picLocks noGrp="1" noChangeAspect="1" noChangeArrowheads="1"/>
+          </p:cNvPicPr>
+          <p:nvPr>
+            <p:ph sz="half" idx="2"/>
+          </p:nvPr>
+        </p:nvPicPr>
+        <p:blipFill>
+          <a:blip r:embed="rId3"/>
+          <a:srcRect/>
+          <a:stretch>
+            <a:fillRect/>
+          </a:stretch>
+        </p:blipFill>
+        <p:spPr bwMode="auto">
+          <a:xfrm>
+            <a:off x="4648200" y="2397487"/>
+            <a:ext cx="4038600" cy="2931388"/>
+          </a:xfrm>
+          <a:prstGeom prst="rect">
+            <a:avLst/>
+          </a:prstGeom>
+          <a:noFill/>
+          <a:ln w="9525">
+            <a:noFill/>
+            <a:miter lim="800000"/>
+            <a:headEnd/>
+            <a:tailEnd/>
+          </a:ln>
+          <a:effectLst/>
+        </p:spPr>
+      </p:pic>
+    </p:spTree>
+  </p:cSld>
+  <p:clrMapOvr>
+    <a:masterClrMapping/>
+  </p:clrMapOvr>
+  <p:timing>
+    <p:tnLst>
+      <p:par>
+        <p:cTn id="1" dur="indefinite" restart="never" nodeType="tmRoot"/>
+      </p:par>
+    </p:tnLst>
+  </p:timing>
+</p:sld>
+</file>
+
+<file path=ppt/slides/slide14.xml><?xml version="1.0" encoding="utf-8"?>
+<p:sld xmlns:a="http://schemas.openxmlformats.org/drawingml/2006/main" xmlns:r="http://schemas.openxmlformats.org/officeDocument/2006/relationships" xmlns:p="http://schemas.openxmlformats.org/presentationml/2006/main">
+  <p:cSld>
+    <p:spTree>
+      <p:nvGrpSpPr>
+        <p:cNvPr id="1" name=""/>
+        <p:cNvGrpSpPr/>
+        <p:nvPr/>
+      </p:nvGrpSpPr>
+      <p:grpSpPr>
+        <a:xfrm>
+          <a:off x="0" y="0"/>
+          <a:ext cx="0" cy="0"/>
+          <a:chOff x="0" y="0"/>
+          <a:chExt cx="0" cy="0"/>
+        </a:xfrm>
+      </p:grpSpPr>
+      <p:sp>
+        <p:nvSpPr>
+          <p:cNvPr id="2" name="标题 1"/>
+          <p:cNvSpPr>
+            <a:spLocks noGrp="1"/>
+          </p:cNvSpPr>
+          <p:nvPr>
+            <p:ph type="title"/>
+          </p:nvPr>
+        </p:nvSpPr>
+        <p:spPr/>
+        <p:txBody>
+          <a:bodyPr/>
+          <a:lstStyle/>
+          <a:p>
+            <a:r>
+              <a:rPr lang="zh-CN" altLang="en-US" dirty="0" smtClean="0"/>
+              <a:t>系统概述</a:t>
+            </a:r>
+            <a:r>
+              <a:rPr lang="zh-CN" altLang="en-US" dirty="0" smtClean="0"/>
+              <a:t>：容错</a:t>
+            </a:r>
+            <a:endParaRPr lang="zh-CN" altLang="en-US" dirty="0"/>
+          </a:p>
+        </p:txBody>
+      </p:sp>
+      <p:sp>
+        <p:nvSpPr>
+          <p:cNvPr id="3" name="内容占位符 2"/>
+          <p:cNvSpPr>
+            <a:spLocks noGrp="1"/>
+          </p:cNvSpPr>
+          <p:nvPr>
+            <p:ph idx="1"/>
+          </p:nvPr>
+        </p:nvSpPr>
+        <p:spPr/>
+        <p:txBody>
+          <a:bodyPr/>
+          <a:lstStyle/>
+          <a:p>
+            <a:endParaRPr lang="zh-CN" altLang="en-US" dirty="0"/>
+          </a:p>
+        </p:txBody>
+      </p:sp>
+    </p:spTree>
+  </p:cSld>
+  <p:clrMapOvr>
+    <a:masterClrMapping/>
+  </p:clrMapOvr>
+</p:sld>
+</file>
+
 <file path=ppt/slides/slide2.xml><?xml version="1.0" encoding="utf-8"?>
 <p:sld xmlns:a="http://schemas.openxmlformats.org/drawingml/2006/main" xmlns:r="http://schemas.openxmlformats.org/officeDocument/2006/relationships" xmlns:p="http://schemas.openxmlformats.org/presentationml/2006/main">
   <p:cSld>
@@ -3152,42 +3664,83 @@
             <a:spLocks noGrp="1"/>
           </p:cNvSpPr>
           <p:nvPr>
-            <p:ph idx="1"/>
+            <p:ph sz="half" idx="1"/>
           </p:nvPr>
         </p:nvSpPr>
         <p:spPr/>
         <p:txBody>
           <a:bodyPr>
-            <a:normAutofit fontScale="47500" lnSpcReduction="20000"/>
+            <a:normAutofit fontScale="85000" lnSpcReduction="20000"/>
           </a:bodyPr>
           <a:lstStyle/>
           <a:p>
             <a:pPr marL="571500" indent="-571500">
-              <a:buFont typeface="+mj-ea"/>
-              <a:buAutoNum type="ea1JpnChsDbPeriod"/>
+              <a:buNone/>
             </a:pPr>
             <a:r>
               <a:rPr lang="zh-CN" altLang="en-US" dirty="0" smtClean="0"/>
+              <a:t>一、</a:t>
+            </a:r>
+            <a:r>
+              <a:rPr lang="zh-CN" altLang="en-US" dirty="0" smtClean="0"/>
               <a:t>介绍</a:t>
             </a:r>
             <a:endParaRPr lang="en-US" altLang="zh-CN" dirty="0" smtClean="0"/>
           </a:p>
           <a:p>
             <a:pPr marL="571500" indent="-571500">
-              <a:buFont typeface="+mj-ea"/>
-              <a:buAutoNum type="ea1JpnChsDbPeriod"/>
+              <a:buNone/>
             </a:pPr>
             <a:r>
-              <a:rPr lang="zh-CN" altLang="en-US" dirty="0" smtClean="0"/>
-              <a:t>系统概览</a:t>
+              <a:rPr lang="en-US" altLang="zh-CN" sz="3300" dirty="0" smtClean="0"/>
+              <a:t>	</a:t>
+            </a:r>
+            <a:r>
+              <a:rPr lang="en-US" altLang="zh-CN" sz="2400" dirty="0" err="1" smtClean="0"/>
+              <a:t>Hadoop</a:t>
+            </a:r>
+            <a:r>
+              <a:rPr lang="zh-CN" altLang="en-US" sz="2400" dirty="0" smtClean="0"/>
+              <a:t>系统</a:t>
+            </a:r>
+            <a:endParaRPr lang="en-US" altLang="zh-CN" sz="2400" dirty="0" smtClean="0"/>
+          </a:p>
+          <a:p>
+            <a:pPr marL="571500" indent="-571500">
+              <a:buNone/>
+            </a:pPr>
+            <a:r>
+              <a:rPr lang="en-US" altLang="zh-CN" sz="2400" dirty="0" smtClean="0"/>
+              <a:t>	</a:t>
+            </a:r>
+            <a:endParaRPr lang="en-US" altLang="zh-CN" sz="3300" dirty="0" smtClean="0"/>
+          </a:p>
+          <a:p>
+            <a:pPr marL="571500" indent="-571500">
+              <a:buNone/>
+            </a:pPr>
+            <a:r>
+              <a:rPr lang="zh-CN" altLang="en-US" dirty="0" smtClean="0"/>
+              <a:t>二、</a:t>
+            </a:r>
+            <a:r>
+              <a:rPr lang="zh-CN" altLang="en-US" dirty="0" smtClean="0"/>
+              <a:t>系统概述</a:t>
             </a:r>
             <a:endParaRPr lang="en-US" altLang="zh-CN" dirty="0" smtClean="0"/>
           </a:p>
           <a:p>
             <a:pPr marL="971550" lvl="1" indent="-514350">
-              <a:buFont typeface="+mj-lt"/>
-              <a:buAutoNum type="arabicPeriod"/>
+              <a:buNone/>
             </a:pPr>
+            <a:r>
+              <a:rPr lang="en-US" altLang="zh-CN" dirty="0" smtClean="0"/>
+              <a:t>1</a:t>
+            </a:r>
+            <a:r>
+              <a:rPr lang="zh-CN" altLang="en-US" dirty="0" smtClean="0"/>
+              <a:t>、</a:t>
+            </a:r>
             <a:r>
               <a:rPr lang="en-US" altLang="zh-CN" dirty="0" smtClean="0"/>
               <a:t>Spark</a:t>
@@ -3195,41 +3748,46 @@
           </a:p>
           <a:p>
             <a:pPr marL="971550" lvl="1" indent="-514350">
-              <a:buFont typeface="+mj-lt"/>
-              <a:buAutoNum type="arabicPeriod"/>
+              <a:buNone/>
             </a:pPr>
             <a:r>
               <a:rPr lang="en-US" altLang="zh-CN" dirty="0" smtClean="0"/>
-              <a:t>Resilient Distributed Datasets</a:t>
+              <a:t>2</a:t>
+            </a:r>
+            <a:r>
+              <a:rPr lang="zh-CN" altLang="en-US" dirty="0" smtClean="0"/>
+              <a:t>、</a:t>
             </a:r>
             <a:r>
               <a:rPr lang="en-US" altLang="zh-CN" dirty="0" smtClean="0"/>
-              <a:t>(</a:t>
-            </a:r>
+              <a:t>Resilient Distributed Datasets(RDDs)</a:t>
+            </a:r>
+          </a:p>
+          <a:p>
+            <a:pPr marL="971550" lvl="1" indent="-514350">
+              <a:buNone/>
+            </a:pPr>
             <a:r>
               <a:rPr lang="en-US" altLang="zh-CN" dirty="0" smtClean="0"/>
-              <a:t>RDDs)</a:t>
-            </a:r>
+              <a:t>3</a:t>
+            </a:r>
+            <a:r>
+              <a:rPr lang="zh-CN" altLang="en-US" dirty="0" smtClean="0"/>
+              <a:t>、容错</a:t>
+            </a:r>
+            <a:endParaRPr lang="en-US" altLang="zh-CN" dirty="0" smtClean="0"/>
           </a:p>
           <a:p>
             <a:pPr marL="971550" lvl="1" indent="-514350">
-              <a:buFont typeface="+mj-lt"/>
-              <a:buAutoNum type="arabicPeriod"/>
+              <a:buNone/>
             </a:pPr>
             <a:r>
-              <a:rPr lang="zh-CN" altLang="en-US" dirty="0" smtClean="0"/>
-              <a:t>容错</a:t>
-            </a:r>
-            <a:endParaRPr lang="en-US" altLang="zh-CN" dirty="0" smtClean="0"/>
-          </a:p>
-          <a:p>
-            <a:pPr marL="971550" lvl="1" indent="-514350">
-              <a:buFont typeface="+mj-lt"/>
-              <a:buAutoNum type="arabicPeriod"/>
-            </a:pPr>
-            <a:r>
-              <a:rPr lang="zh-CN" altLang="en-US" dirty="0" smtClean="0"/>
-              <a:t>在</a:t>
+              <a:rPr lang="en-US" altLang="zh-CN" dirty="0" smtClean="0"/>
+              <a:t>4</a:t>
+            </a:r>
+            <a:r>
+              <a:rPr lang="zh-CN" altLang="en-US" dirty="0" smtClean="0"/>
+              <a:t>、在</a:t>
             </a:r>
             <a:r>
               <a:rPr lang="en-US" altLang="zh-CN" dirty="0" smtClean="0"/>
@@ -3243,26 +3801,47 @@
               <a:rPr lang="en-US" altLang="zh-CN" dirty="0" smtClean="0"/>
               <a:t>SQL</a:t>
             </a:r>
-          </a:p>
+            <a:endParaRPr lang="zh-CN" altLang="en-US" dirty="0"/>
+          </a:p>
+        </p:txBody>
+      </p:sp>
+      <p:sp>
+        <p:nvSpPr>
+          <p:cNvPr id="4" name="内容占位符 3"/>
+          <p:cNvSpPr>
+            <a:spLocks noGrp="1"/>
+          </p:cNvSpPr>
+          <p:nvPr>
+            <p:ph sz="half" idx="2"/>
+          </p:nvPr>
+        </p:nvSpPr>
+        <p:spPr/>
+        <p:txBody>
+          <a:bodyPr>
+            <a:normAutofit fontScale="85000" lnSpcReduction="20000"/>
+          </a:bodyPr>
+          <a:lstStyle/>
           <a:p>
             <a:pPr marL="571500" indent="-571500">
-              <a:buFont typeface="+mj-ea"/>
-              <a:buAutoNum type="ea1JpnChsDbPeriod"/>
+              <a:buNone/>
             </a:pPr>
             <a:r>
               <a:rPr lang="zh-CN" altLang="en-US" dirty="0" smtClean="0"/>
-              <a:t>引擎扩展</a:t>
+              <a:t>三、引擎扩展</a:t>
             </a:r>
             <a:endParaRPr lang="en-US" altLang="zh-CN" dirty="0" smtClean="0"/>
           </a:p>
           <a:p>
             <a:pPr marL="971550" lvl="1" indent="-514350">
-              <a:buFont typeface="+mj-lt"/>
-              <a:buAutoNum type="arabicPeriod"/>
+              <a:buNone/>
             </a:pPr>
             <a:r>
-              <a:rPr lang="zh-CN" altLang="en-US" dirty="0" smtClean="0"/>
-              <a:t>局部</a:t>
+              <a:rPr lang="en-US" altLang="zh-CN" dirty="0" smtClean="0"/>
+              <a:t>1</a:t>
+            </a:r>
+            <a:r>
+              <a:rPr lang="zh-CN" altLang="en-US" dirty="0" smtClean="0"/>
+              <a:t>、局部</a:t>
             </a:r>
             <a:r>
               <a:rPr lang="en-US" altLang="zh-CN" dirty="0" smtClean="0"/>
@@ -3274,22 +3853,21 @@
             </a:r>
             <a:r>
               <a:rPr lang="en-US" altLang="zh-CN" dirty="0" smtClean="0"/>
-              <a:t>(Partial </a:t>
-            </a:r>
+              <a:t>(Partial DAG Execution (PDE))</a:t>
+            </a:r>
+          </a:p>
+          <a:p>
+            <a:pPr marL="1371600" lvl="2" indent="-457200">
+              <a:buNone/>
+            </a:pPr>
             <a:r>
               <a:rPr lang="en-US" altLang="zh-CN" dirty="0" smtClean="0"/>
-              <a:t>DAG Execution (PDE</a:t>
-            </a:r>
-            <a:r>
-              <a:rPr lang="en-US" altLang="zh-CN" dirty="0" smtClean="0"/>
-              <a:t>))</a:t>
-            </a:r>
-          </a:p>
-          <a:p>
-            <a:pPr marL="1371600" lvl="2" indent="-457200">
-              <a:buFont typeface="+mj-ea"/>
-              <a:buAutoNum type="circleNumDbPlain"/>
-            </a:pPr>
+              <a:t>1</a:t>
+            </a:r>
+            <a:r>
+              <a:rPr lang="zh-CN" altLang="en-US" dirty="0" smtClean="0"/>
+              <a:t>）、</a:t>
+            </a:r>
             <a:r>
               <a:rPr lang="en-US" altLang="zh-CN" dirty="0" smtClean="0"/>
               <a:t>Join</a:t>
@@ -3302,9 +3880,16 @@
           </a:p>
           <a:p>
             <a:pPr marL="1371600" lvl="2" indent="-457200">
-              <a:buFont typeface="+mj-ea"/>
-              <a:buAutoNum type="circleNumDbPlain"/>
+              <a:buNone/>
             </a:pPr>
+            <a:r>
+              <a:rPr lang="en-US" altLang="zh-CN" dirty="0" smtClean="0"/>
+              <a:t>2</a:t>
+            </a:r>
+            <a:r>
+              <a:rPr lang="zh-CN" altLang="en-US" dirty="0" smtClean="0"/>
+              <a:t>）、</a:t>
+            </a:r>
             <a:r>
               <a:rPr lang="en-US" altLang="zh-CN" dirty="0" smtClean="0"/>
               <a:t>Skew-handling </a:t>
@@ -3317,45 +3902,57 @@
           </a:p>
           <a:p>
             <a:pPr marL="971550" lvl="1" indent="-514350">
-              <a:buFont typeface="+mj-lt"/>
-              <a:buAutoNum type="arabicPeriod"/>
+              <a:buNone/>
             </a:pPr>
             <a:r>
-              <a:rPr lang="zh-CN" altLang="en-US" dirty="0" smtClean="0"/>
-              <a:t>内存列存储</a:t>
+              <a:rPr lang="en-US" altLang="zh-CN" dirty="0" smtClean="0"/>
+              <a:t>2</a:t>
+            </a:r>
+            <a:r>
+              <a:rPr lang="zh-CN" altLang="en-US" dirty="0" smtClean="0"/>
+              <a:t>、内存列存储</a:t>
             </a:r>
             <a:endParaRPr lang="en-US" altLang="zh-CN" dirty="0" smtClean="0"/>
           </a:p>
           <a:p>
             <a:pPr marL="971550" lvl="1" indent="-514350">
-              <a:buFont typeface="+mj-lt"/>
-              <a:buAutoNum type="arabicPeriod"/>
+              <a:buNone/>
             </a:pPr>
             <a:r>
-              <a:rPr lang="zh-CN" altLang="en-US" dirty="0" smtClean="0"/>
-              <a:t>分布式数据加载</a:t>
+              <a:rPr lang="en-US" altLang="zh-CN" dirty="0" smtClean="0"/>
+              <a:t>3</a:t>
+            </a:r>
+            <a:r>
+              <a:rPr lang="zh-CN" altLang="en-US" dirty="0" smtClean="0"/>
+              <a:t>、分布式数据加载</a:t>
             </a:r>
             <a:endParaRPr lang="en-US" altLang="zh-CN" dirty="0" smtClean="0"/>
           </a:p>
           <a:p>
             <a:pPr marL="971550" lvl="1" indent="-514350">
-              <a:buFont typeface="+mj-lt"/>
-              <a:buAutoNum type="arabicPeriod"/>
+              <a:buNone/>
             </a:pPr>
             <a:r>
-              <a:rPr lang="zh-CN" altLang="en-US" dirty="0" smtClean="0"/>
-              <a:t>数据协同分区</a:t>
+              <a:rPr lang="en-US" altLang="zh-CN" dirty="0" smtClean="0"/>
+              <a:t>4</a:t>
+            </a:r>
+            <a:r>
+              <a:rPr lang="zh-CN" altLang="en-US" dirty="0" smtClean="0"/>
+              <a:t>、数据协同分区</a:t>
             </a:r>
             <a:endParaRPr lang="en-US" altLang="zh-CN" dirty="0" smtClean="0"/>
           </a:p>
           <a:p>
             <a:pPr marL="971550" lvl="1" indent="-514350">
-              <a:buFont typeface="+mj-lt"/>
-              <a:buAutoNum type="arabicPeriod"/>
+              <a:buNone/>
             </a:pPr>
             <a:r>
-              <a:rPr lang="zh-CN" altLang="en-US" dirty="0" smtClean="0"/>
-              <a:t>分区统计和</a:t>
+              <a:rPr lang="en-US" altLang="zh-CN" dirty="0" smtClean="0"/>
+              <a:t>5</a:t>
+            </a:r>
+            <a:r>
+              <a:rPr lang="zh-CN" altLang="en-US" dirty="0" smtClean="0"/>
+              <a:t>、分区统计和</a:t>
             </a:r>
             <a:r>
               <a:rPr lang="en-US" altLang="zh-CN" dirty="0" smtClean="0"/>
@@ -3369,50 +3966,59 @@
           </a:p>
           <a:p>
             <a:pPr marL="571500" indent="-571500">
-              <a:buFont typeface="+mj-ea"/>
-              <a:buAutoNum type="ea1JpnChsDbPeriod"/>
+              <a:buNone/>
             </a:pPr>
             <a:r>
               <a:rPr lang="zh-CN" altLang="en-US" dirty="0" smtClean="0"/>
-              <a:t>机器学习支持</a:t>
+              <a:t>四、机器学习支持</a:t>
             </a:r>
             <a:endParaRPr lang="en-US" altLang="zh-CN" dirty="0" smtClean="0"/>
           </a:p>
           <a:p>
-            <a:pPr lvl="1"/>
-            <a:r>
-              <a:rPr lang="zh-CN" altLang="en-US" dirty="0" smtClean="0"/>
-              <a:t>语言集成</a:t>
+            <a:pPr lvl="1">
+              <a:buNone/>
+            </a:pPr>
+            <a:r>
+              <a:rPr lang="en-US" altLang="zh-CN" dirty="0" smtClean="0"/>
+              <a:t>1</a:t>
+            </a:r>
+            <a:r>
+              <a:rPr lang="zh-CN" altLang="en-US" dirty="0" smtClean="0"/>
+              <a:t>、语言集成</a:t>
             </a:r>
             <a:endParaRPr lang="en-US" altLang="zh-CN" dirty="0" smtClean="0"/>
           </a:p>
           <a:p>
-            <a:pPr lvl="1"/>
-            <a:r>
-              <a:rPr lang="zh-CN" altLang="en-US" dirty="0" smtClean="0"/>
-              <a:t>执行引擎集成</a:t>
+            <a:pPr lvl="1">
+              <a:buNone/>
+            </a:pPr>
+            <a:r>
+              <a:rPr lang="en-US" altLang="zh-CN" dirty="0" smtClean="0"/>
+              <a:t>2</a:t>
+            </a:r>
+            <a:r>
+              <a:rPr lang="zh-CN" altLang="en-US" dirty="0" smtClean="0"/>
+              <a:t>、执行引擎集成</a:t>
             </a:r>
             <a:endParaRPr lang="en-US" altLang="zh-CN" dirty="0" smtClean="0"/>
           </a:p>
           <a:p>
             <a:pPr marL="571500" indent="-571500">
-              <a:buFont typeface="+mj-ea"/>
-              <a:buAutoNum type="ea1JpnChsDbPeriod"/>
+              <a:buNone/>
             </a:pPr>
             <a:r>
               <a:rPr lang="zh-CN" altLang="en-US" dirty="0" smtClean="0"/>
-              <a:t>实现</a:t>
+              <a:t>五、实现</a:t>
             </a:r>
             <a:endParaRPr lang="en-US" altLang="zh-CN" dirty="0" smtClean="0"/>
           </a:p>
           <a:p>
             <a:pPr marL="571500" indent="-571500">
-              <a:buFont typeface="+mj-ea"/>
-              <a:buAutoNum type="ea1JpnChsDbPeriod"/>
+              <a:buNone/>
             </a:pPr>
             <a:r>
               <a:rPr lang="zh-CN" altLang="en-US" dirty="0" smtClean="0"/>
-              <a:t>实验</a:t>
+              <a:t>六、实验</a:t>
             </a:r>
             <a:endParaRPr lang="zh-CN" altLang="en-US" dirty="0"/>
           </a:p>
@@ -3458,390 +4064,53 @@
           <a:bodyPr/>
           <a:lstStyle/>
           <a:p>
+            <a:r>
+              <a:rPr lang="zh-CN" altLang="en-US" dirty="0" smtClean="0"/>
+              <a:t>系统概述：</a:t>
+            </a:r>
+            <a:r>
+              <a:rPr lang="en-US" altLang="zh-CN" dirty="0" smtClean="0"/>
+              <a:t>Shark</a:t>
+            </a:r>
             <a:endParaRPr lang="zh-CN" altLang="en-US" dirty="0"/>
           </a:p>
         </p:txBody>
       </p:sp>
-      <p:sp>
-        <p:nvSpPr>
-          <p:cNvPr id="3" name="内容占位符 2"/>
-          <p:cNvSpPr>
-            <a:spLocks noGrp="1"/>
-          </p:cNvSpPr>
-          <p:nvPr>
-            <p:ph sz="half" idx="1"/>
-          </p:nvPr>
-        </p:nvSpPr>
-        <p:spPr/>
-        <p:txBody>
-          <a:bodyPr>
-            <a:normAutofit fontScale="85000" lnSpcReduction="20000"/>
-          </a:bodyPr>
-          <a:lstStyle/>
-          <a:p>
-            <a:pPr marL="571500" indent="-571500">
-              <a:buNone/>
-            </a:pPr>
-            <a:r>
-              <a:rPr lang="zh-CN" altLang="en-US" dirty="0" smtClean="0"/>
-              <a:t>一、介绍</a:t>
-            </a:r>
-            <a:endParaRPr lang="en-US" altLang="zh-CN" dirty="0" smtClean="0"/>
-          </a:p>
-          <a:p>
-            <a:pPr marL="571500" indent="-571500">
-              <a:buNone/>
-            </a:pPr>
-            <a:r>
-              <a:rPr lang="zh-CN" altLang="en-US" dirty="0" smtClean="0"/>
-              <a:t>二、系统</a:t>
-            </a:r>
-            <a:r>
-              <a:rPr lang="zh-CN" altLang="en-US" dirty="0" smtClean="0"/>
-              <a:t>概览</a:t>
-            </a:r>
-            <a:endParaRPr lang="en-US" altLang="zh-CN" dirty="0" smtClean="0"/>
-          </a:p>
-          <a:p>
-            <a:pPr marL="971550" lvl="1" indent="-514350">
-              <a:buNone/>
-            </a:pPr>
-            <a:r>
-              <a:rPr lang="en-US" altLang="zh-CN" dirty="0" smtClean="0"/>
-              <a:t>1</a:t>
-            </a:r>
-            <a:r>
-              <a:rPr lang="zh-CN" altLang="en-US" dirty="0" smtClean="0"/>
-              <a:t>、</a:t>
-            </a:r>
-            <a:r>
-              <a:rPr lang="en-US" altLang="zh-CN" dirty="0" smtClean="0"/>
-              <a:t>Spark</a:t>
-            </a:r>
-            <a:endParaRPr lang="en-US" altLang="zh-CN" dirty="0" smtClean="0"/>
-          </a:p>
-          <a:p>
-            <a:pPr marL="971550" lvl="1" indent="-514350">
-              <a:buNone/>
-            </a:pPr>
-            <a:r>
-              <a:rPr lang="en-US" altLang="zh-CN" dirty="0" smtClean="0"/>
-              <a:t>2</a:t>
-            </a:r>
-            <a:r>
-              <a:rPr lang="zh-CN" altLang="en-US" dirty="0" smtClean="0"/>
-              <a:t>、</a:t>
-            </a:r>
-            <a:r>
-              <a:rPr lang="en-US" altLang="zh-CN" dirty="0" smtClean="0"/>
-              <a:t>Resilient </a:t>
-            </a:r>
-            <a:r>
-              <a:rPr lang="en-US" altLang="zh-CN" dirty="0" smtClean="0"/>
-              <a:t>Distributed Datasets(RDDs)</a:t>
-            </a:r>
-          </a:p>
-          <a:p>
-            <a:pPr marL="971550" lvl="1" indent="-514350">
-              <a:buNone/>
-            </a:pPr>
-            <a:r>
-              <a:rPr lang="en-US" altLang="zh-CN" dirty="0" smtClean="0"/>
-              <a:t>3</a:t>
-            </a:r>
-            <a:r>
-              <a:rPr lang="zh-CN" altLang="en-US" dirty="0" smtClean="0"/>
-              <a:t>、容错</a:t>
-            </a:r>
-            <a:endParaRPr lang="en-US" altLang="zh-CN" dirty="0" smtClean="0"/>
-          </a:p>
-          <a:p>
-            <a:pPr marL="971550" lvl="1" indent="-514350">
-              <a:buNone/>
-            </a:pPr>
-            <a:r>
-              <a:rPr lang="en-US" altLang="zh-CN" dirty="0" smtClean="0"/>
-              <a:t>4</a:t>
-            </a:r>
-            <a:r>
-              <a:rPr lang="zh-CN" altLang="en-US" dirty="0" smtClean="0"/>
-              <a:t>、在</a:t>
-            </a:r>
-            <a:r>
-              <a:rPr lang="en-US" altLang="zh-CN" dirty="0" smtClean="0"/>
-              <a:t>RDDs</a:t>
-            </a:r>
-            <a:r>
-              <a:rPr lang="zh-CN" altLang="en-US" dirty="0" smtClean="0"/>
-              <a:t>上执行</a:t>
-            </a:r>
-            <a:r>
-              <a:rPr lang="en-US" altLang="zh-CN" dirty="0" smtClean="0"/>
-              <a:t>SQL</a:t>
-            </a:r>
-            <a:endParaRPr lang="zh-CN" altLang="en-US" dirty="0"/>
-          </a:p>
-        </p:txBody>
-      </p:sp>
-      <p:sp>
-        <p:nvSpPr>
-          <p:cNvPr id="4" name="内容占位符 3"/>
-          <p:cNvSpPr>
-            <a:spLocks noGrp="1"/>
-          </p:cNvSpPr>
-          <p:nvPr>
-            <p:ph sz="half" idx="2"/>
-          </p:nvPr>
-        </p:nvSpPr>
-        <p:spPr/>
-        <p:txBody>
-          <a:bodyPr>
-            <a:normAutofit fontScale="85000" lnSpcReduction="20000"/>
-          </a:bodyPr>
-          <a:lstStyle/>
-          <a:p>
-            <a:pPr marL="571500" indent="-571500">
-              <a:buNone/>
-            </a:pPr>
-            <a:r>
-              <a:rPr lang="zh-CN" altLang="en-US" dirty="0" smtClean="0"/>
-              <a:t>三、引擎</a:t>
-            </a:r>
-            <a:r>
-              <a:rPr lang="zh-CN" altLang="en-US" dirty="0" smtClean="0"/>
-              <a:t>扩展</a:t>
-            </a:r>
-            <a:endParaRPr lang="en-US" altLang="zh-CN" dirty="0" smtClean="0"/>
-          </a:p>
-          <a:p>
-            <a:pPr marL="971550" lvl="1" indent="-514350">
-              <a:buNone/>
-            </a:pPr>
-            <a:r>
-              <a:rPr lang="en-US" altLang="zh-CN" dirty="0" smtClean="0"/>
-              <a:t>1</a:t>
-            </a:r>
-            <a:r>
-              <a:rPr lang="zh-CN" altLang="en-US" dirty="0" smtClean="0"/>
-              <a:t>、局部</a:t>
-            </a:r>
-            <a:r>
-              <a:rPr lang="en-US" altLang="zh-CN" dirty="0" smtClean="0"/>
-              <a:t>DAG</a:t>
-            </a:r>
-            <a:r>
-              <a:rPr lang="zh-CN" altLang="en-US" dirty="0" smtClean="0"/>
-              <a:t>执行</a:t>
-            </a:r>
-            <a:r>
-              <a:rPr lang="en-US" altLang="zh-CN" dirty="0" smtClean="0"/>
-              <a:t>(Partial </a:t>
-            </a:r>
-            <a:r>
-              <a:rPr lang="en-US" altLang="zh-CN" dirty="0" smtClean="0"/>
-              <a:t>DAG Execution </a:t>
-            </a:r>
-            <a:r>
-              <a:rPr lang="en-US" altLang="zh-CN" dirty="0" smtClean="0"/>
-              <a:t>(PDE))</a:t>
-            </a:r>
-          </a:p>
-          <a:p>
-            <a:pPr marL="1371600" lvl="2" indent="-457200">
-              <a:buNone/>
-            </a:pPr>
-            <a:r>
-              <a:rPr lang="en-US" altLang="zh-CN" dirty="0" smtClean="0"/>
-              <a:t>1</a:t>
-            </a:r>
-            <a:r>
-              <a:rPr lang="zh-CN" altLang="en-US" dirty="0" smtClean="0"/>
-              <a:t>）、</a:t>
-            </a:r>
-            <a:r>
-              <a:rPr lang="en-US" altLang="zh-CN" dirty="0" smtClean="0"/>
-              <a:t>Join</a:t>
-            </a:r>
-            <a:r>
-              <a:rPr lang="zh-CN" altLang="en-US" dirty="0" smtClean="0"/>
-              <a:t>优化</a:t>
-            </a:r>
-            <a:endParaRPr lang="en-US" altLang="zh-CN" dirty="0" smtClean="0"/>
-          </a:p>
-          <a:p>
-            <a:pPr marL="1371600" lvl="2" indent="-457200">
-              <a:buNone/>
-            </a:pPr>
-            <a:r>
-              <a:rPr lang="en-US" altLang="zh-CN" dirty="0" smtClean="0"/>
-              <a:t>2</a:t>
-            </a:r>
-            <a:r>
-              <a:rPr lang="zh-CN" altLang="en-US" dirty="0" smtClean="0"/>
-              <a:t>）、</a:t>
-            </a:r>
-            <a:r>
-              <a:rPr lang="en-US" altLang="zh-CN" dirty="0" smtClean="0"/>
-              <a:t>Skew-handling </a:t>
-            </a:r>
-            <a:r>
-              <a:rPr lang="zh-CN" altLang="en-US" dirty="0" smtClean="0"/>
-              <a:t>和并行度</a:t>
-            </a:r>
-            <a:endParaRPr lang="en-US" altLang="zh-CN" dirty="0" smtClean="0"/>
-          </a:p>
-          <a:p>
-            <a:pPr marL="971550" lvl="1" indent="-514350">
-              <a:buNone/>
-            </a:pPr>
-            <a:r>
-              <a:rPr lang="en-US" altLang="zh-CN" dirty="0" smtClean="0"/>
-              <a:t>2</a:t>
-            </a:r>
-            <a:r>
-              <a:rPr lang="zh-CN" altLang="en-US" dirty="0" smtClean="0"/>
-              <a:t>、内存</a:t>
-            </a:r>
-            <a:r>
-              <a:rPr lang="zh-CN" altLang="en-US" dirty="0" smtClean="0"/>
-              <a:t>列存储</a:t>
-            </a:r>
-            <a:endParaRPr lang="en-US" altLang="zh-CN" dirty="0" smtClean="0"/>
-          </a:p>
-          <a:p>
-            <a:pPr marL="971550" lvl="1" indent="-514350">
-              <a:buNone/>
-            </a:pPr>
-            <a:r>
-              <a:rPr lang="en-US" altLang="zh-CN" dirty="0" smtClean="0"/>
-              <a:t>3</a:t>
-            </a:r>
-            <a:r>
-              <a:rPr lang="zh-CN" altLang="en-US" dirty="0" smtClean="0"/>
-              <a:t>、分布式</a:t>
-            </a:r>
-            <a:r>
-              <a:rPr lang="zh-CN" altLang="en-US" dirty="0" smtClean="0"/>
-              <a:t>数据加载</a:t>
-            </a:r>
-            <a:endParaRPr lang="en-US" altLang="zh-CN" dirty="0" smtClean="0"/>
-          </a:p>
-          <a:p>
-            <a:pPr marL="971550" lvl="1" indent="-514350">
-              <a:buNone/>
-            </a:pPr>
-            <a:r>
-              <a:rPr lang="en-US" altLang="zh-CN" dirty="0" smtClean="0"/>
-              <a:t>4</a:t>
-            </a:r>
-            <a:r>
-              <a:rPr lang="zh-CN" altLang="en-US" dirty="0" smtClean="0"/>
-              <a:t>、数据</a:t>
-            </a:r>
-            <a:r>
-              <a:rPr lang="zh-CN" altLang="en-US" dirty="0" smtClean="0"/>
-              <a:t>协同分区</a:t>
-            </a:r>
-            <a:endParaRPr lang="en-US" altLang="zh-CN" dirty="0" smtClean="0"/>
-          </a:p>
-          <a:p>
-            <a:pPr marL="971550" lvl="1" indent="-514350">
-              <a:buNone/>
-            </a:pPr>
-            <a:r>
-              <a:rPr lang="en-US" altLang="zh-CN" dirty="0" smtClean="0"/>
-              <a:t>5</a:t>
-            </a:r>
-            <a:r>
-              <a:rPr lang="zh-CN" altLang="en-US" dirty="0" smtClean="0"/>
-              <a:t>、分区</a:t>
-            </a:r>
-            <a:r>
-              <a:rPr lang="zh-CN" altLang="en-US" dirty="0" smtClean="0"/>
-              <a:t>统计和</a:t>
-            </a:r>
-            <a:r>
-              <a:rPr lang="en-US" altLang="zh-CN" dirty="0" smtClean="0"/>
-              <a:t>Map</a:t>
-            </a:r>
-            <a:r>
-              <a:rPr lang="zh-CN" altLang="en-US" dirty="0" smtClean="0"/>
-              <a:t>裁剪</a:t>
-            </a:r>
-            <a:endParaRPr lang="en-US" altLang="zh-CN" dirty="0" smtClean="0"/>
-          </a:p>
-          <a:p>
-            <a:pPr marL="571500" indent="-571500">
-              <a:buNone/>
-            </a:pPr>
-            <a:r>
-              <a:rPr lang="zh-CN" altLang="en-US" dirty="0" smtClean="0"/>
-              <a:t>四、机器学习</a:t>
-            </a:r>
-            <a:r>
-              <a:rPr lang="zh-CN" altLang="en-US" dirty="0" smtClean="0"/>
-              <a:t>支持</a:t>
-            </a:r>
-            <a:endParaRPr lang="en-US" altLang="zh-CN" dirty="0" smtClean="0"/>
-          </a:p>
-          <a:p>
-            <a:pPr lvl="1">
-              <a:buNone/>
-            </a:pPr>
-            <a:r>
-              <a:rPr lang="en-US" altLang="zh-CN" dirty="0" smtClean="0"/>
-              <a:t>1</a:t>
-            </a:r>
-            <a:r>
-              <a:rPr lang="zh-CN" altLang="en-US" dirty="0" smtClean="0"/>
-              <a:t>、语言</a:t>
-            </a:r>
-            <a:r>
-              <a:rPr lang="zh-CN" altLang="en-US" dirty="0" smtClean="0"/>
-              <a:t>集成</a:t>
-            </a:r>
-            <a:endParaRPr lang="en-US" altLang="zh-CN" dirty="0" smtClean="0"/>
-          </a:p>
-          <a:p>
-            <a:pPr lvl="1">
-              <a:buNone/>
-            </a:pPr>
-            <a:r>
-              <a:rPr lang="en-US" altLang="zh-CN" dirty="0" smtClean="0"/>
-              <a:t>2</a:t>
-            </a:r>
-            <a:r>
-              <a:rPr lang="zh-CN" altLang="en-US" dirty="0" smtClean="0"/>
-              <a:t>、执行</a:t>
-            </a:r>
-            <a:r>
-              <a:rPr lang="zh-CN" altLang="en-US" dirty="0" smtClean="0"/>
-              <a:t>引擎集成</a:t>
-            </a:r>
-            <a:endParaRPr lang="en-US" altLang="zh-CN" dirty="0" smtClean="0"/>
-          </a:p>
-          <a:p>
-            <a:pPr marL="571500" indent="-571500">
-              <a:buNone/>
-            </a:pPr>
-            <a:r>
-              <a:rPr lang="zh-CN" altLang="en-US" dirty="0" smtClean="0"/>
-              <a:t>五、实现</a:t>
-            </a:r>
-            <a:endParaRPr lang="en-US" altLang="zh-CN" dirty="0" smtClean="0"/>
-          </a:p>
-          <a:p>
-            <a:pPr marL="571500" indent="-571500">
-              <a:buNone/>
-            </a:pPr>
-            <a:r>
-              <a:rPr lang="zh-CN" altLang="en-US" dirty="0" smtClean="0"/>
-              <a:t>六、实验</a:t>
-            </a:r>
-            <a:endParaRPr lang="zh-CN" altLang="en-US" dirty="0"/>
-          </a:p>
-        </p:txBody>
-      </p:sp>
+      <p:pic>
+        <p:nvPicPr>
+          <p:cNvPr id="2050" name="Picture 2"/>
+          <p:cNvPicPr>
+            <a:picLocks noGrp="1" noChangeAspect="1" noChangeArrowheads="1"/>
+          </p:cNvPicPr>
+          <p:nvPr>
+            <p:ph idx="1"/>
+          </p:nvPr>
+        </p:nvPicPr>
+        <p:blipFill>
+          <a:blip r:embed="rId2"/>
+          <a:srcRect/>
+          <a:stretch>
+            <a:fillRect/>
+          </a:stretch>
+        </p:blipFill>
+        <p:spPr bwMode="auto">
+          <a:xfrm>
+            <a:off x="1132407" y="1600200"/>
+            <a:ext cx="6879186" cy="4525963"/>
+          </a:xfrm>
+          <a:prstGeom prst="rect">
+            <a:avLst/>
+          </a:prstGeom>
+          <a:noFill/>
+          <a:ln w="9525">
+            <a:noFill/>
+            <a:miter lim="800000"/>
+            <a:headEnd/>
+            <a:tailEnd/>
+          </a:ln>
+          <a:effectLst/>
+        </p:spPr>
+      </p:pic>
     </p:spTree>
   </p:cSld>
   <p:clrMapOvr>
@@ -3884,206 +4153,7 @@
           <a:p>
             <a:r>
               <a:rPr lang="zh-CN" altLang="en-US" dirty="0" smtClean="0"/>
-              <a:t>系统概述：</a:t>
-            </a:r>
-            <a:r>
-              <a:rPr lang="en-US" altLang="zh-CN" dirty="0" smtClean="0"/>
-              <a:t>Spark</a:t>
-            </a:r>
-            <a:endParaRPr lang="zh-CN" altLang="en-US" dirty="0"/>
-          </a:p>
-        </p:txBody>
-      </p:sp>
-      <p:sp>
-        <p:nvSpPr>
-          <p:cNvPr id="3" name="内容占位符 2"/>
-          <p:cNvSpPr>
-            <a:spLocks noGrp="1"/>
-          </p:cNvSpPr>
-          <p:nvPr>
-            <p:ph idx="1"/>
-          </p:nvPr>
-        </p:nvSpPr>
-        <p:spPr/>
-        <p:txBody>
-          <a:bodyPr/>
-          <a:lstStyle/>
-          <a:p>
-            <a:r>
-              <a:rPr lang="en-US" altLang="zh-CN" dirty="0" smtClean="0"/>
-              <a:t>Spark</a:t>
-            </a:r>
-            <a:r>
-              <a:rPr lang="zh-CN" altLang="en-US" dirty="0" smtClean="0"/>
-              <a:t>是</a:t>
-            </a:r>
-            <a:r>
-              <a:rPr lang="en-US" altLang="zh-CN" dirty="0" smtClean="0"/>
-              <a:t>UC Berkeley AMP lab</a:t>
-            </a:r>
-            <a:r>
-              <a:rPr lang="zh-CN" altLang="en-US" dirty="0" smtClean="0"/>
-              <a:t>所开源的类</a:t>
-            </a:r>
-            <a:r>
-              <a:rPr lang="en-US" altLang="zh-CN" dirty="0" err="1" smtClean="0"/>
-              <a:t>Hadoop</a:t>
-            </a:r>
-            <a:r>
-              <a:rPr lang="en-US" altLang="zh-CN" dirty="0" smtClean="0"/>
-              <a:t> </a:t>
-            </a:r>
-            <a:r>
-              <a:rPr lang="en-US" altLang="zh-CN" dirty="0" err="1" smtClean="0"/>
-              <a:t>MapReduce</a:t>
-            </a:r>
-            <a:r>
-              <a:rPr lang="zh-CN" altLang="en-US" dirty="0" smtClean="0"/>
-              <a:t>的通用的并行计算框架，</a:t>
-            </a:r>
-            <a:r>
-              <a:rPr lang="en-US" altLang="zh-CN" dirty="0" smtClean="0"/>
-              <a:t>Spark</a:t>
-            </a:r>
-            <a:r>
-              <a:rPr lang="zh-CN" altLang="en-US" dirty="0" smtClean="0"/>
-              <a:t>基于</a:t>
-            </a:r>
-            <a:r>
-              <a:rPr lang="en-US" altLang="zh-CN" dirty="0" err="1" smtClean="0"/>
-              <a:t>MapReduce</a:t>
-            </a:r>
-            <a:r>
-              <a:rPr lang="zh-CN" altLang="en-US" dirty="0" smtClean="0"/>
-              <a:t>算法</a:t>
-            </a:r>
-            <a:r>
-              <a:rPr lang="zh-CN" altLang="en-US" dirty="0" smtClean="0"/>
-              <a:t>实现的分布式计算，拥有</a:t>
-            </a:r>
-            <a:r>
-              <a:rPr lang="en-US" altLang="zh-CN" dirty="0" err="1" smtClean="0"/>
-              <a:t>Hadoop</a:t>
-            </a:r>
-            <a:r>
-              <a:rPr lang="en-US" altLang="zh-CN" dirty="0" smtClean="0"/>
-              <a:t> </a:t>
-            </a:r>
-            <a:r>
-              <a:rPr lang="en-US" altLang="zh-CN" dirty="0" err="1" smtClean="0"/>
-              <a:t>MapReduce</a:t>
-            </a:r>
-            <a:r>
-              <a:rPr lang="zh-CN" altLang="en-US" dirty="0" smtClean="0"/>
-              <a:t>所具有的优点；但不同于</a:t>
-            </a:r>
-            <a:r>
-              <a:rPr lang="en-US" altLang="zh-CN" dirty="0" err="1" smtClean="0"/>
-              <a:t>MapReduce</a:t>
-            </a:r>
-            <a:r>
-              <a:rPr lang="zh-CN" altLang="en-US" dirty="0" smtClean="0"/>
-              <a:t>的是</a:t>
-            </a:r>
-            <a:r>
-              <a:rPr lang="en-US" altLang="zh-CN" dirty="0" smtClean="0"/>
-              <a:t>Job</a:t>
-            </a:r>
-            <a:r>
-              <a:rPr lang="zh-CN" altLang="en-US" dirty="0" smtClean="0"/>
-              <a:t>中间输出和结果可以保存在内存中，从而不再需要读写</a:t>
-            </a:r>
-            <a:r>
-              <a:rPr lang="en-US" altLang="zh-CN" dirty="0" smtClean="0"/>
-              <a:t>HDFS</a:t>
-            </a:r>
-            <a:r>
-              <a:rPr lang="zh-CN" altLang="en-US" dirty="0" smtClean="0"/>
-              <a:t>，因此</a:t>
-            </a:r>
-            <a:r>
-              <a:rPr lang="en-US" altLang="zh-CN" dirty="0" smtClean="0"/>
-              <a:t>Spark</a:t>
-            </a:r>
-            <a:r>
-              <a:rPr lang="zh-CN" altLang="en-US" dirty="0" smtClean="0"/>
-              <a:t>能</a:t>
-            </a:r>
-            <a:r>
-              <a:rPr lang="zh-CN" altLang="en-US" dirty="0" smtClean="0"/>
-              <a:t>更好</a:t>
-            </a:r>
-            <a:r>
-              <a:rPr lang="zh-CN" altLang="en-US" dirty="0" smtClean="0"/>
-              <a:t>地适用于数据挖掘与机器学习等需要迭代</a:t>
-            </a:r>
-            <a:r>
-              <a:rPr lang="zh-CN" altLang="en-US" dirty="0" smtClean="0"/>
-              <a:t>的</a:t>
-            </a:r>
-            <a:r>
-              <a:rPr lang="en-US" altLang="zh-CN" dirty="0" err="1" smtClean="0"/>
-              <a:t>MapReduce</a:t>
-            </a:r>
-            <a:r>
-              <a:rPr lang="zh-CN" altLang="en-US" dirty="0" smtClean="0"/>
-              <a:t>的</a:t>
-            </a:r>
-            <a:r>
-              <a:rPr lang="zh-CN" altLang="en-US" dirty="0" smtClean="0"/>
-              <a:t>算法</a:t>
-            </a:r>
-            <a:endParaRPr lang="zh-CN" altLang="en-US" dirty="0"/>
-          </a:p>
-        </p:txBody>
-      </p:sp>
-    </p:spTree>
-  </p:cSld>
-  <p:clrMapOvr>
-    <a:masterClrMapping/>
-  </p:clrMapOvr>
-</p:sld>
-</file>
-
-<file path=ppt/slides/slide5.xml><?xml version="1.0" encoding="utf-8"?>
-<p:sld xmlns:a="http://schemas.openxmlformats.org/drawingml/2006/main" xmlns:r="http://schemas.openxmlformats.org/officeDocument/2006/relationships" xmlns:p="http://schemas.openxmlformats.org/presentationml/2006/main">
-  <p:cSld>
-    <p:spTree>
-      <p:nvGrpSpPr>
-        <p:cNvPr id="1" name=""/>
-        <p:cNvGrpSpPr/>
-        <p:nvPr/>
-      </p:nvGrpSpPr>
-      <p:grpSpPr>
-        <a:xfrm>
-          <a:off x="0" y="0"/>
-          <a:ext cx="0" cy="0"/>
-          <a:chOff x="0" y="0"/>
-          <a:chExt cx="0" cy="0"/>
-        </a:xfrm>
-      </p:grpSpPr>
-      <p:sp>
-        <p:nvSpPr>
-          <p:cNvPr id="2" name="标题 1"/>
-          <p:cNvSpPr>
-            <a:spLocks noGrp="1"/>
-          </p:cNvSpPr>
-          <p:nvPr>
-            <p:ph type="title"/>
-          </p:nvPr>
-        </p:nvSpPr>
-        <p:spPr/>
-        <p:txBody>
-          <a:bodyPr/>
-          <a:lstStyle/>
-          <a:p>
-            <a:r>
-              <a:rPr lang="zh-CN" altLang="en-US" dirty="0" smtClean="0"/>
-              <a:t>系统概述：</a:t>
-            </a:r>
-            <a:r>
-              <a:rPr lang="en-US" altLang="zh-CN" dirty="0" smtClean="0"/>
-              <a:t>Spark</a:t>
+              <a:t>系统概述</a:t>
             </a:r>
             <a:endParaRPr lang="zh-CN" altLang="en-US" dirty="0"/>
           </a:p>
@@ -4214,10 +4284,18 @@
               <a:p>
                 <a:pPr algn="ctr"/>
                 <a:r>
-                  <a:rPr lang="en-US" altLang="zh-CN" dirty="0" smtClean="0"/>
+                  <a:rPr lang="en-US" altLang="zh-CN" dirty="0" smtClean="0">
+                    <a:solidFill>
+                      <a:srgbClr val="FF0000"/>
+                    </a:solidFill>
+                  </a:rPr>
                   <a:t>Apache Spark</a:t>
                 </a:r>
-                <a:endParaRPr lang="zh-CN" altLang="en-US" dirty="0"/>
+                <a:endParaRPr lang="zh-CN" altLang="en-US" dirty="0">
+                  <a:solidFill>
+                    <a:srgbClr val="FF0000"/>
+                  </a:solidFill>
+                </a:endParaRPr>
               </a:p>
             </p:txBody>
           </p:sp>
@@ -4258,14 +4336,18 @@
               <a:p>
                 <a:pPr algn="ctr"/>
                 <a:r>
-                  <a:rPr lang="en-US" altLang="zh-CN" dirty="0" smtClean="0"/>
-                  <a:t>Shark </a:t>
+                  <a:rPr lang="en-US" altLang="zh-CN" dirty="0" smtClean="0">
+                    <a:solidFill>
+                      <a:srgbClr val="FF0000"/>
+                    </a:solidFill>
+                  </a:rPr>
+                  <a:t>Shark SQL</a:t>
                 </a:r>
-                <a:r>
-                  <a:rPr lang="en-US" altLang="zh-CN" dirty="0" smtClean="0"/>
-                  <a:t>SQL</a:t>
-                </a:r>
-                <a:endParaRPr lang="zh-CN" altLang="en-US" dirty="0"/>
+                <a:endParaRPr lang="zh-CN" altLang="en-US" dirty="0">
+                  <a:solidFill>
+                    <a:srgbClr val="FF0000"/>
+                  </a:solidFill>
+                </a:endParaRPr>
               </a:p>
             </p:txBody>
           </p:sp>
@@ -4861,6 +4943,1398 @@
 </p:sld>
 </file>
 
+<file path=ppt/slides/slide5.xml><?xml version="1.0" encoding="utf-8"?>
+<p:sld xmlns:a="http://schemas.openxmlformats.org/drawingml/2006/main" xmlns:r="http://schemas.openxmlformats.org/officeDocument/2006/relationships" xmlns:p="http://schemas.openxmlformats.org/presentationml/2006/main">
+  <p:cSld>
+    <p:spTree>
+      <p:nvGrpSpPr>
+        <p:cNvPr id="1" name=""/>
+        <p:cNvGrpSpPr/>
+        <p:nvPr/>
+      </p:nvGrpSpPr>
+      <p:grpSpPr>
+        <a:xfrm>
+          <a:off x="0" y="0"/>
+          <a:ext cx="0" cy="0"/>
+          <a:chOff x="0" y="0"/>
+          <a:chExt cx="0" cy="0"/>
+        </a:xfrm>
+      </p:grpSpPr>
+      <p:sp>
+        <p:nvSpPr>
+          <p:cNvPr id="2" name="标题 1"/>
+          <p:cNvSpPr>
+            <a:spLocks noGrp="1"/>
+          </p:cNvSpPr>
+          <p:nvPr>
+            <p:ph type="title"/>
+          </p:nvPr>
+        </p:nvSpPr>
+        <p:spPr/>
+        <p:txBody>
+          <a:bodyPr/>
+          <a:lstStyle/>
+          <a:p>
+            <a:r>
+              <a:rPr lang="zh-CN" altLang="en-US" dirty="0" smtClean="0"/>
+              <a:t>系统概述：</a:t>
+            </a:r>
+            <a:r>
+              <a:rPr lang="en-US" altLang="zh-CN" dirty="0" smtClean="0"/>
+              <a:t>Spark</a:t>
+            </a:r>
+            <a:endParaRPr lang="zh-CN" altLang="en-US" dirty="0"/>
+          </a:p>
+        </p:txBody>
+      </p:sp>
+      <p:sp>
+        <p:nvSpPr>
+          <p:cNvPr id="3" name="内容占位符 2"/>
+          <p:cNvSpPr>
+            <a:spLocks noGrp="1"/>
+          </p:cNvSpPr>
+          <p:nvPr>
+            <p:ph idx="1"/>
+          </p:nvPr>
+        </p:nvSpPr>
+        <p:spPr/>
+        <p:txBody>
+          <a:bodyPr/>
+          <a:lstStyle/>
+          <a:p>
+            <a:r>
+              <a:rPr lang="en-US" altLang="zh-CN" dirty="0" smtClean="0"/>
+              <a:t>Spark</a:t>
+            </a:r>
+            <a:r>
+              <a:rPr lang="zh-CN" altLang="en-US" dirty="0" smtClean="0"/>
+              <a:t>是</a:t>
+            </a:r>
+            <a:r>
+              <a:rPr lang="en-US" altLang="zh-CN" dirty="0" smtClean="0"/>
+              <a:t>UC Berkeley AMP lab</a:t>
+            </a:r>
+            <a:r>
+              <a:rPr lang="zh-CN" altLang="en-US" dirty="0" smtClean="0"/>
+              <a:t>所开源的类</a:t>
+            </a:r>
+            <a:r>
+              <a:rPr lang="en-US" altLang="zh-CN" dirty="0" err="1" smtClean="0"/>
+              <a:t>Hadoop</a:t>
+            </a:r>
+            <a:r>
+              <a:rPr lang="en-US" altLang="zh-CN" dirty="0" smtClean="0"/>
+              <a:t> </a:t>
+            </a:r>
+            <a:r>
+              <a:rPr lang="en-US" altLang="zh-CN" dirty="0" err="1" smtClean="0"/>
+              <a:t>MapReduce</a:t>
+            </a:r>
+            <a:r>
+              <a:rPr lang="zh-CN" altLang="en-US" dirty="0" smtClean="0"/>
+              <a:t>的通用的并行计算框架，</a:t>
+            </a:r>
+            <a:r>
+              <a:rPr lang="en-US" altLang="zh-CN" dirty="0" smtClean="0"/>
+              <a:t>Spark</a:t>
+            </a:r>
+            <a:r>
+              <a:rPr lang="zh-CN" altLang="en-US" dirty="0" smtClean="0"/>
+              <a:t>基于</a:t>
+            </a:r>
+            <a:r>
+              <a:rPr lang="en-US" altLang="zh-CN" dirty="0" err="1" smtClean="0"/>
+              <a:t>MapReduce</a:t>
+            </a:r>
+            <a:r>
+              <a:rPr lang="zh-CN" altLang="en-US" dirty="0" smtClean="0"/>
+              <a:t>算法实现的分布式计算，拥有</a:t>
+            </a:r>
+            <a:r>
+              <a:rPr lang="en-US" altLang="zh-CN" dirty="0" err="1" smtClean="0"/>
+              <a:t>Hadoop</a:t>
+            </a:r>
+            <a:r>
+              <a:rPr lang="en-US" altLang="zh-CN" dirty="0" smtClean="0"/>
+              <a:t> </a:t>
+            </a:r>
+            <a:r>
+              <a:rPr lang="en-US" altLang="zh-CN" dirty="0" err="1" smtClean="0"/>
+              <a:t>MapReduce</a:t>
+            </a:r>
+            <a:r>
+              <a:rPr lang="zh-CN" altLang="en-US" dirty="0" smtClean="0"/>
+              <a:t>所具有的优点；但不同于</a:t>
+            </a:r>
+            <a:r>
+              <a:rPr lang="en-US" altLang="zh-CN" dirty="0" err="1" smtClean="0"/>
+              <a:t>MapReduce</a:t>
+            </a:r>
+            <a:r>
+              <a:rPr lang="zh-CN" altLang="en-US" dirty="0" smtClean="0"/>
+              <a:t>的是</a:t>
+            </a:r>
+            <a:r>
+              <a:rPr lang="en-US" altLang="zh-CN" dirty="0" smtClean="0"/>
+              <a:t>Job</a:t>
+            </a:r>
+            <a:r>
+              <a:rPr lang="zh-CN" altLang="en-US" dirty="0" smtClean="0">
+                <a:solidFill>
+                  <a:srgbClr val="FF0000"/>
+                </a:solidFill>
+              </a:rPr>
+              <a:t>中间输出和结果可以保存在内存中</a:t>
+            </a:r>
+            <a:r>
+              <a:rPr lang="zh-CN" altLang="en-US" dirty="0" smtClean="0"/>
+              <a:t>，从而不再需要读写</a:t>
+            </a:r>
+            <a:r>
+              <a:rPr lang="en-US" altLang="zh-CN" dirty="0" smtClean="0"/>
+              <a:t>HDFS</a:t>
+            </a:r>
+            <a:r>
+              <a:rPr lang="zh-CN" altLang="en-US" dirty="0" smtClean="0"/>
+              <a:t>，因此</a:t>
+            </a:r>
+            <a:r>
+              <a:rPr lang="en-US" altLang="zh-CN" dirty="0" smtClean="0"/>
+              <a:t>Spark</a:t>
+            </a:r>
+            <a:r>
+              <a:rPr lang="zh-CN" altLang="en-US" dirty="0" smtClean="0"/>
+              <a:t>能更好地适用于数据挖掘与机器学习等需要迭代的</a:t>
+            </a:r>
+            <a:r>
+              <a:rPr lang="en-US" altLang="zh-CN" dirty="0" err="1" smtClean="0"/>
+              <a:t>MapReduce</a:t>
+            </a:r>
+            <a:r>
+              <a:rPr lang="zh-CN" altLang="en-US" dirty="0" smtClean="0"/>
+              <a:t>的</a:t>
+            </a:r>
+            <a:r>
+              <a:rPr lang="zh-CN" altLang="en-US" dirty="0" smtClean="0"/>
+              <a:t>算法。</a:t>
+            </a:r>
+            <a:endParaRPr lang="zh-CN" altLang="en-US" dirty="0"/>
+          </a:p>
+        </p:txBody>
+      </p:sp>
+    </p:spTree>
+  </p:cSld>
+  <p:clrMapOvr>
+    <a:masterClrMapping/>
+  </p:clrMapOvr>
+</p:sld>
+</file>
+
+<file path=ppt/slides/slide6.xml><?xml version="1.0" encoding="utf-8"?>
+<p:sld xmlns:a="http://schemas.openxmlformats.org/drawingml/2006/main" xmlns:r="http://schemas.openxmlformats.org/officeDocument/2006/relationships" xmlns:p="http://schemas.openxmlformats.org/presentationml/2006/main">
+  <p:cSld>
+    <p:spTree>
+      <p:nvGrpSpPr>
+        <p:cNvPr id="1" name=""/>
+        <p:cNvGrpSpPr/>
+        <p:nvPr/>
+      </p:nvGrpSpPr>
+      <p:grpSpPr>
+        <a:xfrm>
+          <a:off x="0" y="0"/>
+          <a:ext cx="0" cy="0"/>
+          <a:chOff x="0" y="0"/>
+          <a:chExt cx="0" cy="0"/>
+        </a:xfrm>
+      </p:grpSpPr>
+      <p:sp>
+        <p:nvSpPr>
+          <p:cNvPr id="2" name="标题 1"/>
+          <p:cNvSpPr>
+            <a:spLocks noGrp="1"/>
+          </p:cNvSpPr>
+          <p:nvPr>
+            <p:ph type="title"/>
+          </p:nvPr>
+        </p:nvSpPr>
+        <p:spPr/>
+        <p:txBody>
+          <a:bodyPr/>
+          <a:lstStyle/>
+          <a:p>
+            <a:r>
+              <a:rPr lang="zh-CN" altLang="en-US" dirty="0" smtClean="0"/>
+              <a:t>系统概述：</a:t>
+            </a:r>
+            <a:r>
+              <a:rPr lang="en-US" altLang="zh-CN" dirty="0" smtClean="0"/>
+              <a:t>Spark</a:t>
+            </a:r>
+            <a:endParaRPr lang="zh-CN" altLang="en-US" dirty="0"/>
+          </a:p>
+        </p:txBody>
+      </p:sp>
+      <p:sp>
+        <p:nvSpPr>
+          <p:cNvPr id="3" name="内容占位符 2"/>
+          <p:cNvSpPr>
+            <a:spLocks noGrp="1"/>
+          </p:cNvSpPr>
+          <p:nvPr>
+            <p:ph sz="half" idx="1"/>
+          </p:nvPr>
+        </p:nvSpPr>
+        <p:spPr/>
+        <p:txBody>
+          <a:bodyPr/>
+          <a:lstStyle/>
+          <a:p>
+            <a:endParaRPr lang="zh-CN" altLang="en-US" dirty="0"/>
+          </a:p>
+        </p:txBody>
+      </p:sp>
+      <p:pic>
+        <p:nvPicPr>
+          <p:cNvPr id="1026" name="Picture 2"/>
+          <p:cNvPicPr>
+            <a:picLocks noGrp="1" noChangeAspect="1" noChangeArrowheads="1"/>
+          </p:cNvPicPr>
+          <p:nvPr>
+            <p:ph sz="half" idx="2"/>
+          </p:nvPr>
+        </p:nvPicPr>
+        <p:blipFill>
+          <a:blip r:embed="rId2"/>
+          <a:srcRect/>
+          <a:stretch>
+            <a:fillRect/>
+          </a:stretch>
+        </p:blipFill>
+        <p:spPr bwMode="auto">
+          <a:xfrm>
+            <a:off x="4867275" y="2710656"/>
+            <a:ext cx="3600450" cy="2305050"/>
+          </a:xfrm>
+          <a:prstGeom prst="rect">
+            <a:avLst/>
+          </a:prstGeom>
+          <a:noFill/>
+          <a:ln w="9525">
+            <a:noFill/>
+            <a:miter lim="800000"/>
+            <a:headEnd/>
+            <a:tailEnd/>
+          </a:ln>
+          <a:effectLst/>
+        </p:spPr>
+      </p:pic>
+    </p:spTree>
+  </p:cSld>
+  <p:clrMapOvr>
+    <a:masterClrMapping/>
+  </p:clrMapOvr>
+</p:sld>
+</file>
+
+<file path=ppt/slides/slide7.xml><?xml version="1.0" encoding="utf-8"?>
+<p:sld xmlns:a="http://schemas.openxmlformats.org/drawingml/2006/main" xmlns:r="http://schemas.openxmlformats.org/officeDocument/2006/relationships" xmlns:p="http://schemas.openxmlformats.org/presentationml/2006/main">
+  <p:cSld>
+    <p:spTree>
+      <p:nvGrpSpPr>
+        <p:cNvPr id="1" name=""/>
+        <p:cNvGrpSpPr/>
+        <p:nvPr/>
+      </p:nvGrpSpPr>
+      <p:grpSpPr>
+        <a:xfrm>
+          <a:off x="0" y="0"/>
+          <a:ext cx="0" cy="0"/>
+          <a:chOff x="0" y="0"/>
+          <a:chExt cx="0" cy="0"/>
+        </a:xfrm>
+      </p:grpSpPr>
+      <p:sp>
+        <p:nvSpPr>
+          <p:cNvPr id="2" name="标题 1"/>
+          <p:cNvSpPr>
+            <a:spLocks noGrp="1"/>
+          </p:cNvSpPr>
+          <p:nvPr>
+            <p:ph type="title"/>
+          </p:nvPr>
+        </p:nvSpPr>
+        <p:spPr/>
+        <p:txBody>
+          <a:bodyPr/>
+          <a:lstStyle/>
+          <a:p>
+            <a:r>
+              <a:rPr lang="zh-CN" altLang="en-US" dirty="0" smtClean="0"/>
+              <a:t>系统概述：</a:t>
+            </a:r>
+            <a:r>
+              <a:rPr lang="en-US" altLang="zh-CN" dirty="0" smtClean="0"/>
+              <a:t>RDD</a:t>
+            </a:r>
+            <a:endParaRPr lang="zh-CN" altLang="en-US" dirty="0"/>
+          </a:p>
+        </p:txBody>
+      </p:sp>
+      <p:sp>
+        <p:nvSpPr>
+          <p:cNvPr id="3" name="内容占位符 2"/>
+          <p:cNvSpPr>
+            <a:spLocks noGrp="1"/>
+          </p:cNvSpPr>
+          <p:nvPr>
+            <p:ph idx="1"/>
+          </p:nvPr>
+        </p:nvSpPr>
+        <p:spPr/>
+        <p:txBody>
+          <a:bodyPr>
+            <a:normAutofit fontScale="92500" lnSpcReduction="20000"/>
+          </a:bodyPr>
+          <a:lstStyle/>
+          <a:p>
+            <a:r>
+              <a:rPr lang="en-US" altLang="zh-CN" dirty="0" smtClean="0"/>
+              <a:t>Spark</a:t>
+            </a:r>
+            <a:r>
+              <a:rPr lang="zh-CN" altLang="en-US" dirty="0" smtClean="0"/>
+              <a:t>最核心的概念是</a:t>
+            </a:r>
+            <a:r>
+              <a:rPr lang="en-US" altLang="zh-CN" dirty="0" smtClean="0"/>
+              <a:t>RDD</a:t>
+            </a:r>
+            <a:r>
+              <a:rPr lang="zh-CN" altLang="en-US" dirty="0" smtClean="0"/>
+              <a:t>，近年来，有关集群运算的编程框架和模型例如</a:t>
+            </a:r>
+            <a:r>
+              <a:rPr lang="en-US" altLang="zh-CN" dirty="0" err="1" smtClean="0"/>
+              <a:t>MapReduce</a:t>
+            </a:r>
+            <a:r>
+              <a:rPr lang="en-US" altLang="zh-CN" dirty="0" smtClean="0"/>
+              <a:t>, Dryad</a:t>
+            </a:r>
+            <a:r>
+              <a:rPr lang="zh-CN" altLang="en-US" dirty="0" smtClean="0"/>
+              <a:t>等正在被大量运用于处理不断增长的数据量，这些系统具有</a:t>
+            </a:r>
+            <a:r>
+              <a:rPr lang="zh-CN" altLang="en-US" b="1" dirty="0" smtClean="0">
+                <a:solidFill>
+                  <a:srgbClr val="FF0000"/>
+                </a:solidFill>
+              </a:rPr>
+              <a:t>容错、平衡负载</a:t>
+            </a:r>
+            <a:r>
+              <a:rPr lang="zh-CN" altLang="en-US" dirty="0" smtClean="0"/>
+              <a:t>等优点，使得大部分用户都可以使用这些系统进行大数据的处理。但是几乎所 有的现代集群计算系统都是基于</a:t>
+            </a:r>
+            <a:r>
+              <a:rPr lang="zh-CN" altLang="en-US" b="1" dirty="0" smtClean="0">
+                <a:solidFill>
+                  <a:srgbClr val="FF0000"/>
+                </a:solidFill>
+              </a:rPr>
+              <a:t>非循环式的数据流模型</a:t>
+            </a:r>
+            <a:r>
+              <a:rPr lang="zh-CN" altLang="en-US" dirty="0" smtClean="0"/>
+              <a:t>，意味着每一次的计算过程都必然包含着从存储中读取数据然后计算完成之后写入结果的过程，这样的模型使 得那些</a:t>
+            </a:r>
+            <a:r>
+              <a:rPr lang="zh-CN" altLang="en-US" dirty="0" smtClean="0"/>
+              <a:t>需要</a:t>
+            </a:r>
+            <a:r>
+              <a:rPr lang="zh-CN" altLang="en-US" b="1" dirty="0" smtClean="0">
+                <a:solidFill>
+                  <a:srgbClr val="FF0000"/>
+                </a:solidFill>
+              </a:rPr>
+              <a:t>重复使用一个特定的数据集的迭代算法</a:t>
+            </a:r>
+            <a:r>
+              <a:rPr lang="zh-CN" altLang="en-US" dirty="0" smtClean="0"/>
+              <a:t>无法</a:t>
+            </a:r>
+            <a:r>
+              <a:rPr lang="zh-CN" altLang="en-US" dirty="0" smtClean="0"/>
+              <a:t>很高效的运行，</a:t>
+            </a:r>
+            <a:r>
+              <a:rPr lang="en-US" altLang="zh-CN" dirty="0" smtClean="0"/>
+              <a:t>RDD</a:t>
+            </a:r>
+            <a:r>
+              <a:rPr lang="zh-CN" altLang="en-US" dirty="0" smtClean="0"/>
+              <a:t>和</a:t>
+            </a:r>
+            <a:r>
+              <a:rPr lang="en-US" altLang="zh-CN" dirty="0" smtClean="0"/>
+              <a:t>Spark</a:t>
+            </a:r>
+            <a:r>
+              <a:rPr lang="zh-CN" altLang="en-US" dirty="0" smtClean="0"/>
+              <a:t>正是为了解决这一类问题而诞生的。</a:t>
+            </a:r>
+            <a:endParaRPr lang="zh-CN" altLang="en-US" dirty="0"/>
+          </a:p>
+        </p:txBody>
+      </p:sp>
+    </p:spTree>
+  </p:cSld>
+  <p:clrMapOvr>
+    <a:masterClrMapping/>
+  </p:clrMapOvr>
+</p:sld>
+</file>
+
+<file path=ppt/slides/slide8.xml><?xml version="1.0" encoding="utf-8"?>
+<p:sld xmlns:a="http://schemas.openxmlformats.org/drawingml/2006/main" xmlns:r="http://schemas.openxmlformats.org/officeDocument/2006/relationships" xmlns:p="http://schemas.openxmlformats.org/presentationml/2006/main">
+  <p:cSld>
+    <p:spTree>
+      <p:nvGrpSpPr>
+        <p:cNvPr id="1" name=""/>
+        <p:cNvGrpSpPr/>
+        <p:nvPr/>
+      </p:nvGrpSpPr>
+      <p:grpSpPr>
+        <a:xfrm>
+          <a:off x="0" y="0"/>
+          <a:ext cx="0" cy="0"/>
+          <a:chOff x="0" y="0"/>
+          <a:chExt cx="0" cy="0"/>
+        </a:xfrm>
+      </p:grpSpPr>
+      <p:sp>
+        <p:nvSpPr>
+          <p:cNvPr id="2" name="标题 1"/>
+          <p:cNvSpPr>
+            <a:spLocks noGrp="1"/>
+          </p:cNvSpPr>
+          <p:nvPr>
+            <p:ph type="title"/>
+          </p:nvPr>
+        </p:nvSpPr>
+        <p:spPr/>
+        <p:txBody>
+          <a:bodyPr/>
+          <a:lstStyle/>
+          <a:p>
+            <a:r>
+              <a:rPr lang="zh-CN" altLang="en-US" dirty="0" smtClean="0"/>
+              <a:t>系统概述：</a:t>
+            </a:r>
+            <a:r>
+              <a:rPr lang="en-US" altLang="zh-CN" dirty="0" smtClean="0"/>
+              <a:t>RDD</a:t>
+            </a:r>
+            <a:endParaRPr lang="zh-CN" altLang="en-US" dirty="0"/>
+          </a:p>
+        </p:txBody>
+      </p:sp>
+      <p:sp>
+        <p:nvSpPr>
+          <p:cNvPr id="3" name="内容占位符 2"/>
+          <p:cNvSpPr>
+            <a:spLocks noGrp="1"/>
+          </p:cNvSpPr>
+          <p:nvPr>
+            <p:ph idx="1"/>
+          </p:nvPr>
+        </p:nvSpPr>
+        <p:spPr/>
+        <p:txBody>
+          <a:bodyPr/>
+          <a:lstStyle/>
+          <a:p>
+            <a:r>
+              <a:rPr lang="en-US" altLang="zh-CN" dirty="0" smtClean="0"/>
+              <a:t>RDD</a:t>
+            </a:r>
+            <a:r>
+              <a:rPr lang="zh-CN" altLang="en-US" dirty="0" smtClean="0"/>
+              <a:t>是一个只读的、分区的数据集。</a:t>
+            </a:r>
+            <a:r>
+              <a:rPr lang="en-US" altLang="zh-CN" dirty="0" smtClean="0"/>
+              <a:t>RDD</a:t>
+            </a:r>
+            <a:r>
+              <a:rPr lang="zh-CN" altLang="en-US" dirty="0" smtClean="0"/>
+              <a:t>的创建有两个方式</a:t>
+            </a:r>
+            <a:r>
+              <a:rPr lang="en-US" altLang="zh-CN" dirty="0" smtClean="0"/>
+              <a:t>: (1)</a:t>
+            </a:r>
+            <a:r>
+              <a:rPr lang="zh-CN" altLang="en-US" dirty="0" smtClean="0"/>
+              <a:t>通过存储介质上的数据；</a:t>
+            </a:r>
+            <a:r>
+              <a:rPr lang="en-US" altLang="zh-CN" dirty="0" smtClean="0"/>
+              <a:t>(2)</a:t>
+            </a:r>
+            <a:r>
+              <a:rPr lang="zh-CN" altLang="en-US" dirty="0" smtClean="0"/>
+              <a:t>通过其他</a:t>
+            </a:r>
+            <a:r>
+              <a:rPr lang="en-US" altLang="zh-CN" dirty="0" smtClean="0"/>
+              <a:t>RDD</a:t>
+            </a:r>
+            <a:r>
+              <a:rPr lang="zh-CN" altLang="en-US" dirty="0" smtClean="0"/>
+              <a:t>。</a:t>
+            </a:r>
+            <a:endParaRPr lang="en-US" altLang="zh-CN" dirty="0" smtClean="0"/>
+          </a:p>
+          <a:p>
+            <a:r>
+              <a:rPr lang="en-US" altLang="zh-CN" dirty="0" smtClean="0"/>
+              <a:t>RDD</a:t>
+            </a:r>
+            <a:r>
+              <a:rPr lang="zh-CN" altLang="en-US" dirty="0" smtClean="0"/>
+              <a:t>提供的两种操作</a:t>
+            </a:r>
+            <a:r>
+              <a:rPr lang="en-US" altLang="zh-CN" dirty="0" smtClean="0">
+                <a:sym typeface="Wingdings" pitchFamily="2" charset="2"/>
+              </a:rPr>
+              <a:t>: (1)</a:t>
+            </a:r>
+            <a:r>
+              <a:rPr lang="en-US" altLang="zh-CN" dirty="0" smtClean="0"/>
+              <a:t>Transformation;(2)action</a:t>
+            </a:r>
+          </a:p>
+          <a:p>
+            <a:endParaRPr lang="zh-CN" altLang="en-US" dirty="0"/>
+          </a:p>
+        </p:txBody>
+      </p:sp>
+    </p:spTree>
+  </p:cSld>
+  <p:clrMapOvr>
+    <a:masterClrMapping/>
+  </p:clrMapOvr>
+</p:sld>
+</file>
+
+<file path=ppt/slides/slide9.xml><?xml version="1.0" encoding="utf-8"?>
+<p:sld xmlns:a="http://schemas.openxmlformats.org/drawingml/2006/main" xmlns:r="http://schemas.openxmlformats.org/officeDocument/2006/relationships" xmlns:p="http://schemas.openxmlformats.org/presentationml/2006/main">
+  <p:cSld>
+    <p:spTree>
+      <p:nvGrpSpPr>
+        <p:cNvPr id="1" name=""/>
+        <p:cNvGrpSpPr/>
+        <p:nvPr/>
+      </p:nvGrpSpPr>
+      <p:grpSpPr>
+        <a:xfrm>
+          <a:off x="0" y="0"/>
+          <a:ext cx="0" cy="0"/>
+          <a:chOff x="0" y="0"/>
+          <a:chExt cx="0" cy="0"/>
+        </a:xfrm>
+      </p:grpSpPr>
+      <p:sp>
+        <p:nvSpPr>
+          <p:cNvPr id="2" name="标题 1"/>
+          <p:cNvSpPr>
+            <a:spLocks noGrp="1"/>
+          </p:cNvSpPr>
+          <p:nvPr>
+            <p:ph type="title"/>
+          </p:nvPr>
+        </p:nvSpPr>
+        <p:spPr/>
+        <p:txBody>
+          <a:bodyPr/>
+          <a:lstStyle/>
+          <a:p>
+            <a:r>
+              <a:rPr lang="zh-CN" altLang="en-US" dirty="0" smtClean="0"/>
+              <a:t>系统概述：</a:t>
+            </a:r>
+            <a:r>
+              <a:rPr lang="en-US" altLang="zh-CN" dirty="0" smtClean="0"/>
+              <a:t>RDD</a:t>
+            </a:r>
+            <a:endParaRPr lang="zh-CN" altLang="en-US" dirty="0"/>
+          </a:p>
+        </p:txBody>
+      </p:sp>
+      <p:graphicFrame>
+        <p:nvGraphicFramePr>
+          <p:cNvPr id="4" name="内容占位符 3"/>
+          <p:cNvGraphicFramePr>
+            <a:graphicFrameLocks noGrp="1"/>
+          </p:cNvGraphicFramePr>
+          <p:nvPr>
+            <p:ph idx="1"/>
+          </p:nvPr>
+        </p:nvGraphicFramePr>
+        <p:xfrm>
+          <a:off x="357158" y="1600200"/>
+          <a:ext cx="8472518" cy="4627880"/>
+        </p:xfrm>
+        <a:graphic>
+          <a:graphicData uri="http://schemas.openxmlformats.org/drawingml/2006/table">
+            <a:tbl>
+              <a:tblPr firstRow="1" bandRow="1">
+                <a:tableStyleId>{616DA210-FB5B-4158-B5E0-FEB733F419BA}</a:tableStyleId>
+              </a:tblPr>
+              <a:tblGrid>
+                <a:gridCol w="1785950"/>
+                <a:gridCol w="2571768"/>
+                <a:gridCol w="4114800"/>
+              </a:tblGrid>
+              <a:tr h="370840">
+                <a:tc rowSpan="9">
+                  <a:txBody>
+                    <a:bodyPr/>
+                    <a:lstStyle/>
+                    <a:p>
+                      <a:pPr algn="just">
+                        <a:spcAft>
+                          <a:spcPts val="0"/>
+                        </a:spcAft>
+                      </a:pPr>
+                      <a:r>
+                        <a:rPr lang="en-US" sz="1800" dirty="0"/>
+                        <a:t>Transformations</a:t>
+                      </a:r>
+                      <a:endParaRPr lang="zh-CN" sz="1800" dirty="0">
+                        <a:latin typeface="Times New Roman"/>
+                        <a:ea typeface="PMingLiU"/>
+                      </a:endParaRPr>
+                    </a:p>
+                  </a:txBody>
+                  <a:tcPr marL="68580" marR="68580" marT="0" marB="0"/>
+                </a:tc>
+                <a:tc>
+                  <a:txBody>
+                    <a:bodyPr/>
+                    <a:lstStyle/>
+                    <a:p>
+                      <a:pPr algn="r">
+                        <a:spcAft>
+                          <a:spcPts val="0"/>
+                        </a:spcAft>
+                      </a:pPr>
+                      <a:r>
+                        <a:rPr lang="en-US" sz="1800" dirty="0"/>
+                        <a:t>map( f : T)U) :</a:t>
+                      </a:r>
+                      <a:endParaRPr lang="zh-CN" sz="1800" dirty="0">
+                        <a:latin typeface="Times New Roman"/>
+                        <a:ea typeface="PMingLiU"/>
+                      </a:endParaRPr>
+                    </a:p>
+                  </a:txBody>
+                  <a:tcPr marL="68580" marR="68580" marT="0" marB="0"/>
+                </a:tc>
+                <a:tc>
+                  <a:txBody>
+                    <a:bodyPr/>
+                    <a:lstStyle/>
+                    <a:p>
+                      <a:pPr algn="just">
+                        <a:spcAft>
+                          <a:spcPts val="0"/>
+                        </a:spcAft>
+                      </a:pPr>
+                      <a:r>
+                        <a:rPr lang="en-US" sz="1800"/>
+                        <a:t>RDD[T])RDD[U]</a:t>
+                      </a:r>
+                      <a:endParaRPr lang="zh-CN" sz="1800">
+                        <a:latin typeface="Times New Roman"/>
+                        <a:ea typeface="PMingLiU"/>
+                      </a:endParaRPr>
+                    </a:p>
+                  </a:txBody>
+                  <a:tcPr marL="68580" marR="68580" marT="0" marB="0"/>
+                </a:tc>
+              </a:tr>
+              <a:tr h="370840">
+                <a:tc vMerge="1">
+                  <a:txBody>
+                    <a:bodyPr/>
+                    <a:lstStyle/>
+                    <a:p>
+                      <a:endParaRPr lang="zh-CN" altLang="en-US"/>
+                    </a:p>
+                  </a:txBody>
+                  <a:tcPr/>
+                </a:tc>
+                <a:tc>
+                  <a:txBody>
+                    <a:bodyPr/>
+                    <a:lstStyle/>
+                    <a:p>
+                      <a:pPr algn="r">
+                        <a:spcAft>
+                          <a:spcPts val="0"/>
+                        </a:spcAft>
+                      </a:pPr>
+                      <a:r>
+                        <a:rPr lang="en-US" sz="1800" dirty="0"/>
+                        <a:t>filter( f : T)</a:t>
+                      </a:r>
+                      <a:r>
+                        <a:rPr lang="en-US" sz="1800" dirty="0" err="1"/>
+                        <a:t>Bool</a:t>
+                      </a:r>
+                      <a:r>
+                        <a:rPr lang="en-US" sz="1800" dirty="0"/>
+                        <a:t>) :</a:t>
+                      </a:r>
+                      <a:endParaRPr lang="zh-CN" sz="1800" dirty="0">
+                        <a:latin typeface="Times New Roman"/>
+                        <a:ea typeface="PMingLiU"/>
+                      </a:endParaRPr>
+                    </a:p>
+                  </a:txBody>
+                  <a:tcPr marL="68580" marR="68580" marT="0" marB="0"/>
+                </a:tc>
+                <a:tc>
+                  <a:txBody>
+                    <a:bodyPr/>
+                    <a:lstStyle/>
+                    <a:p>
+                      <a:pPr>
+                        <a:spcAft>
+                          <a:spcPts val="0"/>
+                        </a:spcAft>
+                      </a:pPr>
+                      <a:r>
+                        <a:rPr lang="en-US" sz="1800"/>
+                        <a:t>RDD[T])RDD[T]</a:t>
+                      </a:r>
+                      <a:endParaRPr lang="zh-CN" sz="1800">
+                        <a:latin typeface="Times New Roman"/>
+                        <a:ea typeface="PMingLiU"/>
+                      </a:endParaRPr>
+                    </a:p>
+                  </a:txBody>
+                  <a:tcPr marL="68580" marR="68580" marT="0" marB="0"/>
+                </a:tc>
+              </a:tr>
+              <a:tr h="370840">
+                <a:tc vMerge="1">
+                  <a:txBody>
+                    <a:bodyPr/>
+                    <a:lstStyle/>
+                    <a:p>
+                      <a:endParaRPr lang="zh-CN" altLang="en-US"/>
+                    </a:p>
+                  </a:txBody>
+                  <a:tcPr/>
+                </a:tc>
+                <a:tc>
+                  <a:txBody>
+                    <a:bodyPr/>
+                    <a:lstStyle/>
+                    <a:p>
+                      <a:pPr algn="r">
+                        <a:spcAft>
+                          <a:spcPts val="0"/>
+                        </a:spcAft>
+                      </a:pPr>
+                      <a:r>
+                        <a:rPr lang="en-US" sz="1800"/>
+                        <a:t>flatMap( f : T)Seq[U]) :</a:t>
+                      </a:r>
+                      <a:endParaRPr lang="zh-CN" sz="1800">
+                        <a:latin typeface="Times New Roman"/>
+                        <a:ea typeface="PMingLiU"/>
+                      </a:endParaRPr>
+                    </a:p>
+                  </a:txBody>
+                  <a:tcPr marL="68580" marR="68580" marT="0" marB="0"/>
+                </a:tc>
+                <a:tc>
+                  <a:txBody>
+                    <a:bodyPr/>
+                    <a:lstStyle/>
+                    <a:p>
+                      <a:pPr>
+                        <a:spcAft>
+                          <a:spcPts val="0"/>
+                        </a:spcAft>
+                      </a:pPr>
+                      <a:r>
+                        <a:rPr lang="en-US" sz="1800"/>
+                        <a:t>RDD[T])RDD[U]</a:t>
+                      </a:r>
+                      <a:endParaRPr lang="zh-CN" sz="1800">
+                        <a:latin typeface="Times New Roman"/>
+                        <a:ea typeface="PMingLiU"/>
+                      </a:endParaRPr>
+                    </a:p>
+                  </a:txBody>
+                  <a:tcPr marL="68580" marR="68580" marT="0" marB="0"/>
+                </a:tc>
+              </a:tr>
+              <a:tr h="370840">
+                <a:tc vMerge="1">
+                  <a:txBody>
+                    <a:bodyPr/>
+                    <a:lstStyle/>
+                    <a:p>
+                      <a:endParaRPr lang="zh-CN" altLang="en-US"/>
+                    </a:p>
+                  </a:txBody>
+                  <a:tcPr/>
+                </a:tc>
+                <a:tc>
+                  <a:txBody>
+                    <a:bodyPr/>
+                    <a:lstStyle/>
+                    <a:p>
+                      <a:pPr algn="r">
+                        <a:spcAft>
+                          <a:spcPts val="0"/>
+                        </a:spcAft>
+                      </a:pPr>
+                      <a:r>
+                        <a:rPr lang="en-US" sz="1800" dirty="0" err="1"/>
+                        <a:t>groupByKey</a:t>
+                      </a:r>
+                      <a:r>
+                        <a:rPr lang="en-US" sz="1800" dirty="0"/>
+                        <a:t>() :</a:t>
+                      </a:r>
+                      <a:endParaRPr lang="zh-CN" sz="1800" dirty="0">
+                        <a:latin typeface="Times New Roman"/>
+                        <a:ea typeface="PMingLiU"/>
+                      </a:endParaRPr>
+                    </a:p>
+                  </a:txBody>
+                  <a:tcPr marL="68580" marR="68580" marT="0" marB="0"/>
+                </a:tc>
+                <a:tc>
+                  <a:txBody>
+                    <a:bodyPr/>
+                    <a:lstStyle/>
+                    <a:p>
+                      <a:pPr algn="just">
+                        <a:spcAft>
+                          <a:spcPts val="0"/>
+                        </a:spcAft>
+                      </a:pPr>
+                      <a:r>
+                        <a:rPr lang="en-US" sz="1800"/>
+                        <a:t>RDD[(K, V)])RDD[(K, Seq[V])]</a:t>
+                      </a:r>
+                      <a:endParaRPr lang="zh-CN" sz="1800">
+                        <a:latin typeface="Times New Roman"/>
+                        <a:ea typeface="PMingLiU"/>
+                      </a:endParaRPr>
+                    </a:p>
+                  </a:txBody>
+                  <a:tcPr marL="68580" marR="68580" marT="0" marB="0"/>
+                </a:tc>
+              </a:tr>
+              <a:tr h="370840">
+                <a:tc vMerge="1">
+                  <a:txBody>
+                    <a:bodyPr/>
+                    <a:lstStyle/>
+                    <a:p>
+                      <a:endParaRPr lang="zh-CN" altLang="en-US"/>
+                    </a:p>
+                  </a:txBody>
+                  <a:tcPr/>
+                </a:tc>
+                <a:tc>
+                  <a:txBody>
+                    <a:bodyPr/>
+                    <a:lstStyle/>
+                    <a:p>
+                      <a:pPr algn="r">
+                        <a:spcAft>
+                          <a:spcPts val="0"/>
+                        </a:spcAft>
+                      </a:pPr>
+                      <a:r>
+                        <a:rPr lang="en-US" sz="1800"/>
+                        <a:t>reduceByKey( f : (V;V))V) :</a:t>
+                      </a:r>
+                      <a:endParaRPr lang="zh-CN" sz="1800">
+                        <a:latin typeface="Times New Roman"/>
+                        <a:ea typeface="PMingLiU"/>
+                      </a:endParaRPr>
+                    </a:p>
+                  </a:txBody>
+                  <a:tcPr marL="68580" marR="68580" marT="0" marB="0"/>
+                </a:tc>
+                <a:tc>
+                  <a:txBody>
+                    <a:bodyPr/>
+                    <a:lstStyle/>
+                    <a:p>
+                      <a:pPr algn="just">
+                        <a:spcAft>
+                          <a:spcPts val="0"/>
+                        </a:spcAft>
+                      </a:pPr>
+                      <a:r>
+                        <a:rPr lang="en-US" sz="1800"/>
+                        <a:t>RDD[(K, V)])RDD[(K, V)]</a:t>
+                      </a:r>
+                      <a:endParaRPr lang="zh-CN" sz="1800">
+                        <a:latin typeface="Times New Roman"/>
+                        <a:ea typeface="PMingLiU"/>
+                      </a:endParaRPr>
+                    </a:p>
+                  </a:txBody>
+                  <a:tcPr marL="68580" marR="68580" marT="0" marB="0"/>
+                </a:tc>
+              </a:tr>
+              <a:tr h="370840">
+                <a:tc vMerge="1">
+                  <a:txBody>
+                    <a:bodyPr/>
+                    <a:lstStyle/>
+                    <a:p>
+                      <a:endParaRPr lang="zh-CN" altLang="en-US"/>
+                    </a:p>
+                  </a:txBody>
+                  <a:tcPr/>
+                </a:tc>
+                <a:tc>
+                  <a:txBody>
+                    <a:bodyPr/>
+                    <a:lstStyle/>
+                    <a:p>
+                      <a:pPr algn="r">
+                        <a:spcAft>
+                          <a:spcPts val="0"/>
+                        </a:spcAft>
+                      </a:pPr>
+                      <a:r>
+                        <a:rPr lang="en-US" sz="1800"/>
+                        <a:t>union() :</a:t>
+                      </a:r>
+                      <a:endParaRPr lang="zh-CN" sz="1800">
+                        <a:latin typeface="Times New Roman"/>
+                        <a:ea typeface="PMingLiU"/>
+                      </a:endParaRPr>
+                    </a:p>
+                  </a:txBody>
+                  <a:tcPr marL="68580" marR="68580" marT="0" marB="0"/>
+                </a:tc>
+                <a:tc>
+                  <a:txBody>
+                    <a:bodyPr/>
+                    <a:lstStyle/>
+                    <a:p>
+                      <a:pPr algn="just">
+                        <a:spcAft>
+                          <a:spcPts val="0"/>
+                        </a:spcAft>
+                      </a:pPr>
+                      <a:r>
+                        <a:rPr lang="en-US" sz="1800"/>
+                        <a:t>(RDD[T];RDD[T]))RDD[T]</a:t>
+                      </a:r>
+                      <a:endParaRPr lang="zh-CN" sz="1800">
+                        <a:latin typeface="Times New Roman"/>
+                        <a:ea typeface="PMingLiU"/>
+                      </a:endParaRPr>
+                    </a:p>
+                  </a:txBody>
+                  <a:tcPr marL="68580" marR="68580" marT="0" marB="0"/>
+                </a:tc>
+              </a:tr>
+              <a:tr h="370840">
+                <a:tc vMerge="1">
+                  <a:txBody>
+                    <a:bodyPr/>
+                    <a:lstStyle/>
+                    <a:p>
+                      <a:endParaRPr lang="zh-CN" altLang="en-US"/>
+                    </a:p>
+                  </a:txBody>
+                  <a:tcPr/>
+                </a:tc>
+                <a:tc>
+                  <a:txBody>
+                    <a:bodyPr/>
+                    <a:lstStyle/>
+                    <a:p>
+                      <a:pPr algn="r">
+                        <a:spcAft>
+                          <a:spcPts val="0"/>
+                        </a:spcAft>
+                      </a:pPr>
+                      <a:r>
+                        <a:rPr lang="en-US" sz="1800"/>
+                        <a:t>join() :</a:t>
+                      </a:r>
+                      <a:endParaRPr lang="zh-CN" sz="1800">
+                        <a:latin typeface="Times New Roman"/>
+                        <a:ea typeface="PMingLiU"/>
+                      </a:endParaRPr>
+                    </a:p>
+                  </a:txBody>
+                  <a:tcPr marL="68580" marR="68580" marT="0" marB="0"/>
+                </a:tc>
+                <a:tc>
+                  <a:txBody>
+                    <a:bodyPr/>
+                    <a:lstStyle/>
+                    <a:p>
+                      <a:pPr algn="just">
+                        <a:spcAft>
+                          <a:spcPts val="0"/>
+                        </a:spcAft>
+                      </a:pPr>
+                      <a:r>
+                        <a:rPr lang="en-US" sz="1800"/>
+                        <a:t>(RDD[(K, V)];RDD[(K, W)]))RDD[(K, (V, W))]</a:t>
+                      </a:r>
+                      <a:endParaRPr lang="zh-CN" sz="1800">
+                        <a:latin typeface="Times New Roman"/>
+                        <a:ea typeface="PMingLiU"/>
+                      </a:endParaRPr>
+                    </a:p>
+                  </a:txBody>
+                  <a:tcPr marL="68580" marR="68580" marT="0" marB="0"/>
+                </a:tc>
+              </a:tr>
+              <a:tr h="370840">
+                <a:tc vMerge="1">
+                  <a:txBody>
+                    <a:bodyPr/>
+                    <a:lstStyle/>
+                    <a:p>
+                      <a:endParaRPr lang="zh-CN" altLang="en-US"/>
+                    </a:p>
+                  </a:txBody>
+                  <a:tcPr/>
+                </a:tc>
+                <a:tc>
+                  <a:txBody>
+                    <a:bodyPr/>
+                    <a:lstStyle/>
+                    <a:p>
+                      <a:pPr algn="r">
+                        <a:spcAft>
+                          <a:spcPts val="0"/>
+                        </a:spcAft>
+                      </a:pPr>
+                      <a:r>
+                        <a:rPr lang="en-US" sz="1800"/>
+                        <a:t>partitionBy(p: Partitioner[K]) :</a:t>
+                      </a:r>
+                      <a:endParaRPr lang="zh-CN" sz="1800">
+                        <a:latin typeface="Times New Roman"/>
+                        <a:ea typeface="PMingLiU"/>
+                      </a:endParaRPr>
+                    </a:p>
+                  </a:txBody>
+                  <a:tcPr marL="68580" marR="68580" marT="0" marB="0"/>
+                </a:tc>
+                <a:tc>
+                  <a:txBody>
+                    <a:bodyPr/>
+                    <a:lstStyle/>
+                    <a:p>
+                      <a:pPr algn="just">
+                        <a:spcAft>
+                          <a:spcPts val="0"/>
+                        </a:spcAft>
+                      </a:pPr>
+                      <a:r>
+                        <a:rPr lang="en-US" sz="1800"/>
+                        <a:t>RDD[(K, V)])RDD[(K, V)]</a:t>
+                      </a:r>
+                      <a:endParaRPr lang="zh-CN" sz="1800">
+                        <a:latin typeface="Times New Roman"/>
+                        <a:ea typeface="PMingLiU"/>
+                      </a:endParaRPr>
+                    </a:p>
+                  </a:txBody>
+                  <a:tcPr marL="68580" marR="68580" marT="0" marB="0"/>
+                </a:tc>
+              </a:tr>
+              <a:tr h="370840">
+                <a:tc vMerge="1">
+                  <a:txBody>
+                    <a:bodyPr/>
+                    <a:lstStyle/>
+                    <a:p>
+                      <a:endParaRPr lang="zh-CN" altLang="en-US"/>
+                    </a:p>
+                  </a:txBody>
+                  <a:tcPr/>
+                </a:tc>
+                <a:tc>
+                  <a:txBody>
+                    <a:bodyPr/>
+                    <a:lstStyle/>
+                    <a:p>
+                      <a:pPr algn="r">
+                        <a:spcAft>
+                          <a:spcPts val="0"/>
+                        </a:spcAft>
+                      </a:pPr>
+                      <a:r>
+                        <a:rPr lang="en-US" sz="1800"/>
+                        <a:t>sort(c : Comparator[K]) :</a:t>
+                      </a:r>
+                      <a:endParaRPr lang="zh-CN" sz="1800">
+                        <a:latin typeface="Times New Roman"/>
+                        <a:ea typeface="PMingLiU"/>
+                      </a:endParaRPr>
+                    </a:p>
+                  </a:txBody>
+                  <a:tcPr marL="68580" marR="68580" marT="0" marB="0"/>
+                </a:tc>
+                <a:tc>
+                  <a:txBody>
+                    <a:bodyPr/>
+                    <a:lstStyle/>
+                    <a:p>
+                      <a:pPr algn="just">
+                        <a:spcAft>
+                          <a:spcPts val="0"/>
+                        </a:spcAft>
+                      </a:pPr>
+                      <a:r>
+                        <a:rPr lang="en-US" sz="1800"/>
+                        <a:t>RDD[(K, V)])RDD[(K, V)]</a:t>
+                      </a:r>
+                      <a:endParaRPr lang="zh-CN" sz="1800">
+                        <a:latin typeface="Times New Roman"/>
+                        <a:ea typeface="PMingLiU"/>
+                      </a:endParaRPr>
+                    </a:p>
+                  </a:txBody>
+                  <a:tcPr marL="68580" marR="68580" marT="0" marB="0"/>
+                </a:tc>
+              </a:tr>
+              <a:tr h="370840">
+                <a:tc rowSpan="3">
+                  <a:txBody>
+                    <a:bodyPr/>
+                    <a:lstStyle/>
+                    <a:p>
+                      <a:pPr algn="just">
+                        <a:spcAft>
+                          <a:spcPts val="0"/>
+                        </a:spcAft>
+                      </a:pPr>
+                      <a:r>
+                        <a:rPr lang="en-US" sz="1800"/>
+                        <a:t>Actions</a:t>
+                      </a:r>
+                      <a:endParaRPr lang="zh-CN" sz="1800">
+                        <a:latin typeface="Times New Roman"/>
+                        <a:ea typeface="PMingLiU"/>
+                      </a:endParaRPr>
+                    </a:p>
+                  </a:txBody>
+                  <a:tcPr marL="68580" marR="68580" marT="0" marB="0"/>
+                </a:tc>
+                <a:tc>
+                  <a:txBody>
+                    <a:bodyPr/>
+                    <a:lstStyle/>
+                    <a:p>
+                      <a:pPr algn="r">
+                        <a:spcAft>
+                          <a:spcPts val="0"/>
+                        </a:spcAft>
+                      </a:pPr>
+                      <a:r>
+                        <a:rPr lang="en-US" sz="1800"/>
+                        <a:t>count() :</a:t>
+                      </a:r>
+                      <a:endParaRPr lang="zh-CN" sz="1800">
+                        <a:latin typeface="Times New Roman"/>
+                        <a:ea typeface="PMingLiU"/>
+                      </a:endParaRPr>
+                    </a:p>
+                  </a:txBody>
+                  <a:tcPr marL="68580" marR="68580" marT="0" marB="0"/>
+                </a:tc>
+                <a:tc>
+                  <a:txBody>
+                    <a:bodyPr/>
+                    <a:lstStyle/>
+                    <a:p>
+                      <a:pPr>
+                        <a:spcAft>
+                          <a:spcPts val="0"/>
+                        </a:spcAft>
+                      </a:pPr>
+                      <a:r>
+                        <a:rPr lang="en-US" sz="1800"/>
+                        <a:t>RDD[T])Long</a:t>
+                      </a:r>
+                      <a:endParaRPr lang="zh-CN" sz="1800">
+                        <a:latin typeface="Times New Roman"/>
+                        <a:ea typeface="PMingLiU"/>
+                      </a:endParaRPr>
+                    </a:p>
+                  </a:txBody>
+                  <a:tcPr marL="68580" marR="68580" marT="0" marB="0"/>
+                </a:tc>
+              </a:tr>
+              <a:tr h="370840">
+                <a:tc vMerge="1">
+                  <a:txBody>
+                    <a:bodyPr/>
+                    <a:lstStyle/>
+                    <a:p>
+                      <a:endParaRPr lang="zh-CN" altLang="en-US"/>
+                    </a:p>
+                  </a:txBody>
+                  <a:tcPr/>
+                </a:tc>
+                <a:tc>
+                  <a:txBody>
+                    <a:bodyPr/>
+                    <a:lstStyle/>
+                    <a:p>
+                      <a:pPr algn="r">
+                        <a:spcAft>
+                          <a:spcPts val="0"/>
+                        </a:spcAft>
+                      </a:pPr>
+                      <a:r>
+                        <a:rPr lang="en-US" sz="1800"/>
+                        <a:t>reduce( f : (T;T))T) :</a:t>
+                      </a:r>
+                      <a:endParaRPr lang="zh-CN" sz="1800">
+                        <a:latin typeface="Times New Roman"/>
+                        <a:ea typeface="PMingLiU"/>
+                      </a:endParaRPr>
+                    </a:p>
+                  </a:txBody>
+                  <a:tcPr marL="68580" marR="68580" marT="0" marB="0"/>
+                </a:tc>
+                <a:tc>
+                  <a:txBody>
+                    <a:bodyPr/>
+                    <a:lstStyle/>
+                    <a:p>
+                      <a:pPr algn="just">
+                        <a:spcAft>
+                          <a:spcPts val="0"/>
+                        </a:spcAft>
+                      </a:pPr>
+                      <a:r>
+                        <a:rPr lang="en-US" sz="1800"/>
+                        <a:t>RDD[T])T</a:t>
+                      </a:r>
+                      <a:endParaRPr lang="zh-CN" sz="1800">
+                        <a:latin typeface="Times New Roman"/>
+                        <a:ea typeface="PMingLiU"/>
+                      </a:endParaRPr>
+                    </a:p>
+                  </a:txBody>
+                  <a:tcPr marL="68580" marR="68580" marT="0" marB="0"/>
+                </a:tc>
+              </a:tr>
+              <a:tr h="370840">
+                <a:tc vMerge="1">
+                  <a:txBody>
+                    <a:bodyPr/>
+                    <a:lstStyle/>
+                    <a:p>
+                      <a:endParaRPr lang="zh-CN" altLang="en-US"/>
+                    </a:p>
+                  </a:txBody>
+                  <a:tcPr/>
+                </a:tc>
+                <a:tc>
+                  <a:txBody>
+                    <a:bodyPr/>
+                    <a:lstStyle/>
+                    <a:p>
+                      <a:pPr algn="r">
+                        <a:spcAft>
+                          <a:spcPts val="0"/>
+                        </a:spcAft>
+                      </a:pPr>
+                      <a:r>
+                        <a:rPr lang="en-US" sz="1800"/>
+                        <a:t>collect() :</a:t>
+                      </a:r>
+                      <a:endParaRPr lang="zh-CN" sz="1800">
+                        <a:latin typeface="Times New Roman"/>
+                        <a:ea typeface="PMingLiU"/>
+                      </a:endParaRPr>
+                    </a:p>
+                  </a:txBody>
+                  <a:tcPr marL="68580" marR="68580" marT="0" marB="0"/>
+                </a:tc>
+                <a:tc>
+                  <a:txBody>
+                    <a:bodyPr/>
+                    <a:lstStyle/>
+                    <a:p>
+                      <a:pPr algn="just">
+                        <a:spcAft>
+                          <a:spcPts val="0"/>
+                        </a:spcAft>
+                      </a:pPr>
+                      <a:r>
+                        <a:rPr lang="en-US" sz="1800" dirty="0"/>
+                        <a:t>RDD[T])</a:t>
+                      </a:r>
+                      <a:r>
+                        <a:rPr lang="en-US" sz="1800" dirty="0" err="1"/>
+                        <a:t>Seq</a:t>
+                      </a:r>
+                      <a:r>
+                        <a:rPr lang="en-US" sz="1800" dirty="0"/>
+                        <a:t>[T]</a:t>
+                      </a:r>
+                      <a:endParaRPr lang="zh-CN" sz="1800" dirty="0">
+                        <a:latin typeface="Times New Roman"/>
+                        <a:ea typeface="PMingLiU"/>
+                      </a:endParaRPr>
+                    </a:p>
+                  </a:txBody>
+                  <a:tcPr marL="68580" marR="68580" marT="0" marB="0"/>
+                </a:tc>
+              </a:tr>
+            </a:tbl>
+          </a:graphicData>
+        </a:graphic>
+      </p:graphicFrame>
+    </p:spTree>
+  </p:cSld>
+  <p:clrMapOvr>
+    <a:masterClrMapping/>
+  </p:clrMapOvr>
+  <p:timing>
+    <p:tnLst>
+      <p:par>
+        <p:cTn id="1" dur="indefinite" restart="never" nodeType="tmRoot"/>
+      </p:par>
+    </p:tnLst>
+  </p:timing>
+</p:sld>
+</file>
+
 <file path=ppt/theme/theme1.xml><?xml version="1.0" encoding="utf-8"?>
 <a:theme xmlns:a="http://schemas.openxmlformats.org/drawingml/2006/main" name="Office 主题">
   <a:themeElements>

--- a/test.pptx
+++ b/test.pptx
@@ -302,7 +302,7 @@
             <a:fld id="{530820CF-B880-4189-942D-D702A7CBA730}" type="datetimeFigureOut">
               <a:rPr lang="zh-CN" altLang="en-US" smtClean="0"/>
               <a:pPr/>
-              <a:t>2014/6/16</a:t>
+              <a:t>2014/6/19</a:t>
             </a:fld>
             <a:endParaRPr lang="zh-CN" altLang="en-US"/>
           </a:p>
@@ -469,7 +469,7 @@
             <a:fld id="{530820CF-B880-4189-942D-D702A7CBA730}" type="datetimeFigureOut">
               <a:rPr lang="zh-CN" altLang="en-US" smtClean="0"/>
               <a:pPr/>
-              <a:t>2014/6/16</a:t>
+              <a:t>2014/6/19</a:t>
             </a:fld>
             <a:endParaRPr lang="zh-CN" altLang="en-US"/>
           </a:p>
@@ -646,7 +646,7 @@
             <a:fld id="{530820CF-B880-4189-942D-D702A7CBA730}" type="datetimeFigureOut">
               <a:rPr lang="zh-CN" altLang="en-US" smtClean="0"/>
               <a:pPr/>
-              <a:t>2014/6/16</a:t>
+              <a:t>2014/6/19</a:t>
             </a:fld>
             <a:endParaRPr lang="zh-CN" altLang="en-US"/>
           </a:p>
@@ -813,7 +813,7 @@
             <a:fld id="{530820CF-B880-4189-942D-D702A7CBA730}" type="datetimeFigureOut">
               <a:rPr lang="zh-CN" altLang="en-US" smtClean="0"/>
               <a:pPr/>
-              <a:t>2014/6/16</a:t>
+              <a:t>2014/6/19</a:t>
             </a:fld>
             <a:endParaRPr lang="zh-CN" altLang="en-US"/>
           </a:p>
@@ -1056,7 +1056,7 @@
             <a:fld id="{530820CF-B880-4189-942D-D702A7CBA730}" type="datetimeFigureOut">
               <a:rPr lang="zh-CN" altLang="en-US" smtClean="0"/>
               <a:pPr/>
-              <a:t>2014/6/16</a:t>
+              <a:t>2014/6/19</a:t>
             </a:fld>
             <a:endParaRPr lang="zh-CN" altLang="en-US"/>
           </a:p>
@@ -1341,7 +1341,7 @@
             <a:fld id="{530820CF-B880-4189-942D-D702A7CBA730}" type="datetimeFigureOut">
               <a:rPr lang="zh-CN" altLang="en-US" smtClean="0"/>
               <a:pPr/>
-              <a:t>2014/6/16</a:t>
+              <a:t>2014/6/19</a:t>
             </a:fld>
             <a:endParaRPr lang="zh-CN" altLang="en-US"/>
           </a:p>
@@ -1760,7 +1760,7 @@
             <a:fld id="{530820CF-B880-4189-942D-D702A7CBA730}" type="datetimeFigureOut">
               <a:rPr lang="zh-CN" altLang="en-US" smtClean="0"/>
               <a:pPr/>
-              <a:t>2014/6/16</a:t>
+              <a:t>2014/6/19</a:t>
             </a:fld>
             <a:endParaRPr lang="zh-CN" altLang="en-US"/>
           </a:p>
@@ -1875,7 +1875,7 @@
             <a:fld id="{530820CF-B880-4189-942D-D702A7CBA730}" type="datetimeFigureOut">
               <a:rPr lang="zh-CN" altLang="en-US" smtClean="0"/>
               <a:pPr/>
-              <a:t>2014/6/16</a:t>
+              <a:t>2014/6/19</a:t>
             </a:fld>
             <a:endParaRPr lang="zh-CN" altLang="en-US"/>
           </a:p>
@@ -1967,7 +1967,7 @@
             <a:fld id="{530820CF-B880-4189-942D-D702A7CBA730}" type="datetimeFigureOut">
               <a:rPr lang="zh-CN" altLang="en-US" smtClean="0"/>
               <a:pPr/>
-              <a:t>2014/6/16</a:t>
+              <a:t>2014/6/19</a:t>
             </a:fld>
             <a:endParaRPr lang="zh-CN" altLang="en-US"/>
           </a:p>
@@ -2241,7 +2241,7 @@
             <a:fld id="{530820CF-B880-4189-942D-D702A7CBA730}" type="datetimeFigureOut">
               <a:rPr lang="zh-CN" altLang="en-US" smtClean="0"/>
               <a:pPr/>
-              <a:t>2014/6/16</a:t>
+              <a:t>2014/6/19</a:t>
             </a:fld>
             <a:endParaRPr lang="zh-CN" altLang="en-US"/>
           </a:p>
@@ -2491,7 +2491,7 @@
             <a:fld id="{530820CF-B880-4189-942D-D702A7CBA730}" type="datetimeFigureOut">
               <a:rPr lang="zh-CN" altLang="en-US" smtClean="0"/>
               <a:pPr/>
-              <a:t>2014/6/16</a:t>
+              <a:t>2014/6/19</a:t>
             </a:fld>
             <a:endParaRPr lang="zh-CN" altLang="en-US"/>
           </a:p>
@@ -2701,7 +2701,7 @@
             <a:fld id="{530820CF-B880-4189-942D-D702A7CBA730}" type="datetimeFigureOut">
               <a:rPr lang="zh-CN" altLang="en-US" smtClean="0"/>
               <a:pPr/>
-              <a:t>2014/6/16</a:t>
+              <a:t>2014/6/19</a:t>
             </a:fld>
             <a:endParaRPr lang="zh-CN" altLang="en-US"/>
           </a:p>
@@ -3584,11 +3584,7 @@
           <a:p>
             <a:r>
               <a:rPr lang="zh-CN" altLang="en-US" dirty="0" smtClean="0"/>
-              <a:t>系统概述</a:t>
-            </a:r>
-            <a:r>
-              <a:rPr lang="zh-CN" altLang="en-US" dirty="0" smtClean="0"/>
-              <a:t>：容错</a:t>
+              <a:t>系统概述：容错</a:t>
             </a:r>
             <a:endParaRPr lang="zh-CN" altLang="en-US" dirty="0"/>
           </a:p>
@@ -3679,11 +3675,7 @@
             </a:pPr>
             <a:r>
               <a:rPr lang="zh-CN" altLang="en-US" dirty="0" smtClean="0"/>
-              <a:t>一、</a:t>
-            </a:r>
-            <a:r>
-              <a:rPr lang="zh-CN" altLang="en-US" dirty="0" smtClean="0"/>
-              <a:t>介绍</a:t>
+              <a:t>一、介绍</a:t>
             </a:r>
             <a:endParaRPr lang="en-US" altLang="zh-CN" dirty="0" smtClean="0"/>
           </a:p>
@@ -3721,11 +3713,7 @@
             </a:pPr>
             <a:r>
               <a:rPr lang="zh-CN" altLang="en-US" dirty="0" smtClean="0"/>
-              <a:t>二、</a:t>
-            </a:r>
-            <a:r>
-              <a:rPr lang="zh-CN" altLang="en-US" dirty="0" smtClean="0"/>
-              <a:t>系统概述</a:t>
+              <a:t>二、系统概述</a:t>
             </a:r>
             <a:endParaRPr lang="en-US" altLang="zh-CN" dirty="0" smtClean="0"/>
           </a:p>
@@ -4116,6 +4104,13 @@
   <p:clrMapOvr>
     <a:masterClrMapping/>
   </p:clrMapOvr>
+  <p:timing>
+    <p:tnLst>
+      <p:par>
+        <p:cTn id="1" dur="indefinite" restart="never" nodeType="tmRoot"/>
+      </p:par>
+    </p:tnLst>
+  </p:timing>
 </p:sld>
 </file>
 
@@ -4165,9 +4160,7 @@
           <p:cNvGrpSpPr>
             <a:grpSpLocks noGrp="1"/>
           </p:cNvGrpSpPr>
-          <p:nvPr>
-            <p:ph idx="1"/>
-          </p:nvPr>
+          <p:nvPr/>
         </p:nvGrpSpPr>
         <p:grpSpPr>
           <a:xfrm>
@@ -4228,22 +4221,22 @@
               <a:p>
                 <a:pPr algn="ctr"/>
                 <a:r>
-                  <a:rPr lang="en-US" altLang="zh-CN" dirty="0" smtClean="0"/>
+                  <a:rPr lang="en-US" altLang="zh-CN" sz="2000" b="1" dirty="0" smtClean="0"/>
                   <a:t>HDFS, 	</a:t>
                 </a:r>
                 <a:r>
-                  <a:rPr lang="en-US" altLang="zh-CN" dirty="0" err="1" smtClean="0"/>
+                  <a:rPr lang="en-US" altLang="zh-CN" sz="2000" b="1" dirty="0" err="1" smtClean="0"/>
                   <a:t>HBase</a:t>
                 </a:r>
                 <a:r>
-                  <a:rPr lang="en-US" altLang="zh-CN" dirty="0" smtClean="0"/>
+                  <a:rPr lang="en-US" altLang="zh-CN" sz="2000" b="1" dirty="0" smtClean="0"/>
                   <a:t>, 	Cassandra, 	</a:t>
                 </a:r>
                 <a:r>
-                  <a:rPr lang="en-US" altLang="zh-CN" dirty="0" err="1" smtClean="0"/>
+                  <a:rPr lang="en-US" altLang="zh-CN" sz="2000" b="1" dirty="0" err="1" smtClean="0"/>
                   <a:t>etc</a:t>
                 </a:r>
-                <a:endParaRPr lang="zh-CN" altLang="en-US" dirty="0"/>
+                <a:endParaRPr lang="zh-CN" altLang="en-US" sz="2000" b="1" dirty="0"/>
               </a:p>
             </p:txBody>
           </p:sp>
@@ -4284,14 +4277,14 @@
               <a:p>
                 <a:pPr algn="ctr"/>
                 <a:r>
-                  <a:rPr lang="en-US" altLang="zh-CN" dirty="0" smtClean="0">
+                  <a:rPr lang="en-US" altLang="zh-CN" sz="2000" b="1" dirty="0" smtClean="0">
                     <a:solidFill>
                       <a:srgbClr val="FF0000"/>
                     </a:solidFill>
                   </a:rPr>
                   <a:t>Apache Spark</a:t>
                 </a:r>
-                <a:endParaRPr lang="zh-CN" altLang="en-US" dirty="0">
+                <a:endParaRPr lang="zh-CN" altLang="en-US" sz="2000" b="1" dirty="0">
                   <a:solidFill>
                     <a:srgbClr val="FF0000"/>
                   </a:solidFill>
@@ -4336,14 +4329,14 @@
               <a:p>
                 <a:pPr algn="ctr"/>
                 <a:r>
-                  <a:rPr lang="en-US" altLang="zh-CN" dirty="0" smtClean="0">
+                  <a:rPr lang="en-US" altLang="zh-CN" sz="2000" b="1" dirty="0" smtClean="0">
                     <a:solidFill>
                       <a:srgbClr val="FF0000"/>
                     </a:solidFill>
                   </a:rPr>
                   <a:t>Shark SQL</a:t>
                 </a:r>
-                <a:endParaRPr lang="zh-CN" altLang="en-US" dirty="0">
+                <a:endParaRPr lang="zh-CN" altLang="en-US" sz="2000" b="1" dirty="0">
                   <a:solidFill>
                     <a:srgbClr val="FF0000"/>
                   </a:solidFill>
@@ -4388,18 +4381,18 @@
               <a:p>
                 <a:pPr algn="ctr"/>
                 <a:r>
-                  <a:rPr lang="en-US" altLang="zh-CN" dirty="0" err="1" smtClean="0"/>
+                  <a:rPr lang="en-US" altLang="zh-CN" sz="2000" b="1" dirty="0" err="1" smtClean="0"/>
                   <a:t>Mllib</a:t>
                 </a:r>
-                <a:endParaRPr lang="en-US" altLang="zh-CN" dirty="0" smtClean="0"/>
+                <a:endParaRPr lang="en-US" altLang="zh-CN" sz="2000" b="1" dirty="0" smtClean="0"/>
               </a:p>
               <a:p>
                 <a:pPr algn="ctr"/>
                 <a:r>
-                  <a:rPr lang="en-US" altLang="zh-CN" dirty="0" smtClean="0"/>
+                  <a:rPr lang="en-US" altLang="zh-CN" sz="2000" b="1" dirty="0" smtClean="0"/>
                   <a:t>(machine leaning)</a:t>
                 </a:r>
-                <a:endParaRPr lang="en-US" altLang="zh-CN" dirty="0"/>
+                <a:endParaRPr lang="en-US" altLang="zh-CN" sz="2000" b="1" dirty="0"/>
               </a:p>
             </p:txBody>
           </p:sp>
@@ -4440,17 +4433,18 @@
               <a:p>
                 <a:pPr algn="ctr"/>
                 <a:r>
-                  <a:rPr lang="en-US" altLang="zh-CN" smtClean="0"/>
+                  <a:rPr lang="en-US" altLang="zh-CN" sz="2000" b="1" dirty="0" err="1" smtClean="0"/>
                   <a:t>GraphX</a:t>
                 </a:r>
+                <a:endParaRPr lang="en-US" altLang="zh-CN" sz="2000" b="1" dirty="0" smtClean="0"/>
               </a:p>
               <a:p>
                 <a:pPr algn="ctr"/>
                 <a:r>
-                  <a:rPr lang="en-US" altLang="zh-CN" smtClean="0"/>
+                  <a:rPr lang="en-US" altLang="zh-CN" sz="2000" b="1" dirty="0" smtClean="0"/>
                   <a:t>(graph)</a:t>
                 </a:r>
-                <a:endParaRPr lang="en-US" altLang="zh-CN"/>
+                <a:endParaRPr lang="en-US" altLang="zh-CN" sz="2000" b="1" dirty="0"/>
               </a:p>
             </p:txBody>
           </p:sp>
@@ -4590,7 +4584,7 @@
               <a:p>
                 <a:pPr algn="ctr"/>
                 <a:r>
-                  <a:rPr lang="en-US" altLang="zh-CN" dirty="0"/>
+                  <a:rPr lang="en-US" altLang="zh-CN" sz="2000" b="1" dirty="0"/>
                   <a:t>Spark Steaming</a:t>
                 </a:r>
               </a:p>
@@ -4633,10 +4627,10 @@
               <a:p>
                 <a:pPr algn="ctr"/>
                 <a:r>
-                  <a:rPr lang="en-US" altLang="zh-CN" smtClean="0"/>
+                  <a:rPr lang="en-US" altLang="zh-CN" sz="2000" b="1" smtClean="0"/>
                   <a:t>Local mode</a:t>
                 </a:r>
-                <a:endParaRPr lang="en-US" altLang="zh-CN"/>
+                <a:endParaRPr lang="en-US" altLang="zh-CN" sz="2000" b="1"/>
               </a:p>
             </p:txBody>
           </p:sp>
@@ -4677,10 +4671,10 @@
               <a:p>
                 <a:pPr algn="ctr"/>
                 <a:r>
-                  <a:rPr lang="en-US" altLang="zh-CN" dirty="0" smtClean="0"/>
+                  <a:rPr lang="en-US" altLang="zh-CN" sz="2000" b="1" dirty="0" smtClean="0"/>
                   <a:t>Amazon EC2</a:t>
                 </a:r>
-                <a:endParaRPr lang="en-US" altLang="zh-CN" dirty="0"/>
+                <a:endParaRPr lang="en-US" altLang="zh-CN" sz="2000" b="1" dirty="0"/>
               </a:p>
             </p:txBody>
           </p:sp>
@@ -4721,17 +4715,17 @@
               <a:p>
                 <a:pPr algn="ctr"/>
                 <a:r>
-                  <a:rPr lang="en-US" altLang="zh-CN" dirty="0" smtClean="0"/>
+                  <a:rPr lang="en-US" altLang="zh-CN" sz="2000" b="1" dirty="0" smtClean="0"/>
                   <a:t>Hadoop </a:t>
                 </a:r>
               </a:p>
               <a:p>
                 <a:pPr algn="ctr"/>
                 <a:r>
-                  <a:rPr lang="en-US" altLang="zh-CN" dirty="0" smtClean="0"/>
+                  <a:rPr lang="en-US" altLang="zh-CN" sz="2000" b="1" dirty="0" smtClean="0"/>
                   <a:t>YARN</a:t>
                 </a:r>
-                <a:endParaRPr lang="en-US" altLang="zh-CN" dirty="0"/>
+                <a:endParaRPr lang="en-US" altLang="zh-CN" sz="2000" b="1" dirty="0"/>
               </a:p>
             </p:txBody>
           </p:sp>
@@ -4871,14 +4865,14 @@
               <a:p>
                 <a:pPr algn="ctr"/>
                 <a:r>
-                  <a:rPr lang="en-US" altLang="zh-CN" dirty="0"/>
+                  <a:rPr lang="en-US" altLang="zh-CN" sz="2000" b="1" dirty="0"/>
                   <a:t>Apache </a:t>
                 </a:r>
                 <a:r>
-                  <a:rPr lang="en-US" altLang="zh-CN" dirty="0" err="1"/>
+                  <a:rPr lang="en-US" altLang="zh-CN" sz="2000" b="1" dirty="0" err="1"/>
                   <a:t>Mesos</a:t>
                 </a:r>
-                <a:endParaRPr lang="en-US" altLang="zh-CN" dirty="0"/>
+                <a:endParaRPr lang="en-US" altLang="zh-CN" sz="2000" b="1" dirty="0"/>
               </a:p>
             </p:txBody>
           </p:sp>
@@ -4920,10 +4914,10 @@
             <a:p>
               <a:pPr algn="ctr"/>
               <a:r>
-                <a:rPr lang="en-US" altLang="zh-CN" dirty="0" smtClean="0"/>
+                <a:rPr lang="en-US" altLang="zh-CN" sz="2000" b="1" dirty="0" smtClean="0"/>
                 <a:t>standalone </a:t>
               </a:r>
-              <a:endParaRPr lang="en-US" altLang="zh-CN" dirty="0"/>
+              <a:endParaRPr lang="en-US" altLang="zh-CN" sz="2000" b="1" dirty="0"/>
             </a:p>
           </p:txBody>
         </p:sp>
@@ -5112,11 +5106,7 @@
             </a:r>
             <a:r>
               <a:rPr lang="zh-CN" altLang="en-US" dirty="0" smtClean="0"/>
-              <a:t>的</a:t>
-            </a:r>
-            <a:r>
-              <a:rPr lang="zh-CN" altLang="en-US" dirty="0" smtClean="0"/>
-              <a:t>算法。</a:t>
+              <a:t>的算法。</a:t>
             </a:r>
             <a:endParaRPr lang="zh-CN" altLang="en-US" dirty="0"/>
           </a:p>
@@ -5127,6 +5117,13 @@
   <p:clrMapOvr>
     <a:masterClrMapping/>
   </p:clrMapOvr>
+  <p:timing>
+    <p:tnLst>
+      <p:par>
+        <p:cTn id="1" dur="indefinite" restart="never" nodeType="tmRoot"/>
+      </p:par>
+    </p:tnLst>
+  </p:timing>
 </p:sld>
 </file>
 
@@ -5233,6 +5230,13 @@
   <p:clrMapOvr>
     <a:masterClrMapping/>
   </p:clrMapOvr>
+  <p:timing>
+    <p:tnLst>
+      <p:par>
+        <p:cTn id="1" dur="indefinite" restart="never" nodeType="tmRoot"/>
+      </p:par>
+    </p:tnLst>
+  </p:timing>
 </p:sld>
 </file>
 
@@ -5347,11 +5351,7 @@
             </a:r>
             <a:r>
               <a:rPr lang="zh-CN" altLang="en-US" dirty="0" smtClean="0"/>
-              <a:t>，意味着每一次的计算过程都必然包含着从存储中读取数据然后计算完成之后写入结果的过程，这样的模型使 得那些</a:t>
-            </a:r>
-            <a:r>
-              <a:rPr lang="zh-CN" altLang="en-US" dirty="0" smtClean="0"/>
-              <a:t>需要</a:t>
+              <a:t>，意味着每一次的计算过程都必然包含着从存储中读取数据然后计算完成之后写入结果的过程，这样的模型使 得那些需要</a:t>
             </a:r>
             <a:r>
               <a:rPr lang="zh-CN" altLang="en-US" b="1" dirty="0" smtClean="0">
@@ -5363,11 +5363,7 @@
             </a:r>
             <a:r>
               <a:rPr lang="zh-CN" altLang="en-US" dirty="0" smtClean="0"/>
-              <a:t>无法</a:t>
-            </a:r>
-            <a:r>
-              <a:rPr lang="zh-CN" altLang="en-US" dirty="0" smtClean="0"/>
-              <a:t>很高效的运行，</a:t>
+              <a:t>无法很高效的运行，</a:t>
             </a:r>
             <a:r>
               <a:rPr lang="en-US" altLang="zh-CN" dirty="0" smtClean="0"/>

--- a/test.pptx
+++ b/test.pptx
@@ -117,6 +117,22 @@
       </a:defRPr>
     </a:lvl9pPr>
   </p:defaultTextStyle>
+  <p:extLst>
+    <p:ext uri="{EFAFB233-063F-42B5-8137-9DF3F51BA10A}">
+      <p15:sldGuideLst xmlns:p15="http://schemas.microsoft.com/office/powerpoint/2012/main">
+        <p15:guide id="1" orient="horz" pos="2160">
+          <p15:clr>
+            <a:srgbClr val="A4A3A4"/>
+          </p15:clr>
+        </p15:guide>
+        <p15:guide id="2" pos="2880">
+          <p15:clr>
+            <a:srgbClr val="A4A3A4"/>
+          </p15:clr>
+        </p15:guide>
+      </p15:sldGuideLst>
+    </p:ext>
+  </p:extLst>
 </p:presentation>
 </file>
 
@@ -302,7 +318,7 @@
             <a:fld id="{530820CF-B880-4189-942D-D702A7CBA730}" type="datetimeFigureOut">
               <a:rPr lang="zh-CN" altLang="en-US" smtClean="0"/>
               <a:pPr/>
-              <a:t>2014/6/19</a:t>
+              <a:t>2014/6/20</a:t>
             </a:fld>
             <a:endParaRPr lang="zh-CN" altLang="en-US"/>
           </a:p>
@@ -469,7 +485,7 @@
             <a:fld id="{530820CF-B880-4189-942D-D702A7CBA730}" type="datetimeFigureOut">
               <a:rPr lang="zh-CN" altLang="en-US" smtClean="0"/>
               <a:pPr/>
-              <a:t>2014/6/19</a:t>
+              <a:t>2014/6/20</a:t>
             </a:fld>
             <a:endParaRPr lang="zh-CN" altLang="en-US"/>
           </a:p>
@@ -646,7 +662,7 @@
             <a:fld id="{530820CF-B880-4189-942D-D702A7CBA730}" type="datetimeFigureOut">
               <a:rPr lang="zh-CN" altLang="en-US" smtClean="0"/>
               <a:pPr/>
-              <a:t>2014/6/19</a:t>
+              <a:t>2014/6/20</a:t>
             </a:fld>
             <a:endParaRPr lang="zh-CN" altLang="en-US"/>
           </a:p>
@@ -813,7 +829,7 @@
             <a:fld id="{530820CF-B880-4189-942D-D702A7CBA730}" type="datetimeFigureOut">
               <a:rPr lang="zh-CN" altLang="en-US" smtClean="0"/>
               <a:pPr/>
-              <a:t>2014/6/19</a:t>
+              <a:t>2014/6/20</a:t>
             </a:fld>
             <a:endParaRPr lang="zh-CN" altLang="en-US"/>
           </a:p>
@@ -1056,7 +1072,7 @@
             <a:fld id="{530820CF-B880-4189-942D-D702A7CBA730}" type="datetimeFigureOut">
               <a:rPr lang="zh-CN" altLang="en-US" smtClean="0"/>
               <a:pPr/>
-              <a:t>2014/6/19</a:t>
+              <a:t>2014/6/20</a:t>
             </a:fld>
             <a:endParaRPr lang="zh-CN" altLang="en-US"/>
           </a:p>
@@ -1341,7 +1357,7 @@
             <a:fld id="{530820CF-B880-4189-942D-D702A7CBA730}" type="datetimeFigureOut">
               <a:rPr lang="zh-CN" altLang="en-US" smtClean="0"/>
               <a:pPr/>
-              <a:t>2014/6/19</a:t>
+              <a:t>2014/6/20</a:t>
             </a:fld>
             <a:endParaRPr lang="zh-CN" altLang="en-US"/>
           </a:p>
@@ -1760,7 +1776,7 @@
             <a:fld id="{530820CF-B880-4189-942D-D702A7CBA730}" type="datetimeFigureOut">
               <a:rPr lang="zh-CN" altLang="en-US" smtClean="0"/>
               <a:pPr/>
-              <a:t>2014/6/19</a:t>
+              <a:t>2014/6/20</a:t>
             </a:fld>
             <a:endParaRPr lang="zh-CN" altLang="en-US"/>
           </a:p>
@@ -1875,7 +1891,7 @@
             <a:fld id="{530820CF-B880-4189-942D-D702A7CBA730}" type="datetimeFigureOut">
               <a:rPr lang="zh-CN" altLang="en-US" smtClean="0"/>
               <a:pPr/>
-              <a:t>2014/6/19</a:t>
+              <a:t>2014/6/20</a:t>
             </a:fld>
             <a:endParaRPr lang="zh-CN" altLang="en-US"/>
           </a:p>
@@ -1967,7 +1983,7 @@
             <a:fld id="{530820CF-B880-4189-942D-D702A7CBA730}" type="datetimeFigureOut">
               <a:rPr lang="zh-CN" altLang="en-US" smtClean="0"/>
               <a:pPr/>
-              <a:t>2014/6/19</a:t>
+              <a:t>2014/6/20</a:t>
             </a:fld>
             <a:endParaRPr lang="zh-CN" altLang="en-US"/>
           </a:p>
@@ -2241,7 +2257,7 @@
             <a:fld id="{530820CF-B880-4189-942D-D702A7CBA730}" type="datetimeFigureOut">
               <a:rPr lang="zh-CN" altLang="en-US" smtClean="0"/>
               <a:pPr/>
-              <a:t>2014/6/19</a:t>
+              <a:t>2014/6/20</a:t>
             </a:fld>
             <a:endParaRPr lang="zh-CN" altLang="en-US"/>
           </a:p>
@@ -2491,7 +2507,7 @@
             <a:fld id="{530820CF-B880-4189-942D-D702A7CBA730}" type="datetimeFigureOut">
               <a:rPr lang="zh-CN" altLang="en-US" smtClean="0"/>
               <a:pPr/>
-              <a:t>2014/6/19</a:t>
+              <a:t>2014/6/20</a:t>
             </a:fld>
             <a:endParaRPr lang="zh-CN" altLang="en-US"/>
           </a:p>
@@ -2701,7 +2717,7 @@
             <a:fld id="{530820CF-B880-4189-942D-D702A7CBA730}" type="datetimeFigureOut">
               <a:rPr lang="zh-CN" altLang="en-US" smtClean="0"/>
               <a:pPr/>
-              <a:t>2014/6/19</a:t>
+              <a:t>2014/6/20</a:t>
             </a:fld>
             <a:endParaRPr lang="zh-CN" altLang="en-US"/>
           </a:p>
@@ -3115,6 +3131,13 @@
   <p:clrMapOvr>
     <a:masterClrMapping/>
   </p:clrMapOvr>
+  <p:timing>
+    <p:tnLst>
+      <p:par>
+        <p:cTn id="1" dur="indefinite" restart="never" nodeType="tmRoot"/>
+      </p:par>
+    </p:tnLst>
+  </p:timing>
 </p:sld>
 </file>
 
@@ -3688,7 +3711,7 @@
               <a:t>	</a:t>
             </a:r>
             <a:r>
-              <a:rPr lang="en-US" altLang="zh-CN" sz="2400" dirty="0" err="1" smtClean="0"/>
+              <a:rPr lang="en-US" altLang="zh-CN" sz="2400" dirty="0" smtClean="0"/>
               <a:t>Hadoop</a:t>
             </a:r>
             <a:r>
@@ -3702,20 +3725,13 @@
               <a:buNone/>
             </a:pPr>
             <a:r>
-              <a:rPr lang="en-US" altLang="zh-CN" sz="2400" dirty="0" smtClean="0"/>
-              <a:t>	</a:t>
-            </a:r>
-            <a:endParaRPr lang="en-US" altLang="zh-CN" sz="3300" dirty="0" smtClean="0"/>
-          </a:p>
-          <a:p>
-            <a:pPr marL="571500" indent="-571500">
-              <a:buNone/>
-            </a:pPr>
-            <a:r>
-              <a:rPr lang="zh-CN" altLang="en-US" dirty="0" smtClean="0"/>
-              <a:t>二、系统概述</a:t>
-            </a:r>
-            <a:endParaRPr lang="en-US" altLang="zh-CN" dirty="0" smtClean="0"/>
+              <a:rPr lang="zh-CN" altLang="en-US" dirty="0" smtClean="0"/>
+              <a:t>二、</a:t>
+            </a:r>
+            <a:r>
+              <a:rPr lang="en-US" altLang="zh-CN" dirty="0" smtClean="0"/>
+              <a:t>Spark</a:t>
+            </a:r>
           </a:p>
           <a:p>
             <a:pPr marL="971550" lvl="1" indent="-514350">
@@ -3731,8 +3747,21 @@
             </a:r>
             <a:r>
               <a:rPr lang="en-US" altLang="zh-CN" dirty="0" smtClean="0"/>
-              <a:t>Spark</a:t>
-            </a:r>
+              <a:t>RDD</a:t>
+            </a:r>
+            <a:r>
+              <a:rPr lang="en-US" altLang="zh-CN" dirty="0" smtClean="0"/>
+              <a:t>(</a:t>
+            </a:r>
+            <a:r>
+              <a:rPr lang="en-US" altLang="zh-CN" dirty="0" smtClean="0"/>
+              <a:t>Resilient Distributed </a:t>
+            </a:r>
+            <a:r>
+              <a:rPr lang="en-US" altLang="zh-CN" smtClean="0"/>
+              <a:t>Dataset)</a:t>
+            </a:r>
+            <a:endParaRPr lang="en-US" altLang="zh-CN" dirty="0" smtClean="0"/>
           </a:p>
           <a:p>
             <a:pPr marL="971550" lvl="1" indent="-514350">
@@ -3744,12 +3773,9 @@
             </a:r>
             <a:r>
               <a:rPr lang="zh-CN" altLang="en-US" dirty="0" smtClean="0"/>
-              <a:t>、</a:t>
-            </a:r>
-            <a:r>
-              <a:rPr lang="en-US" altLang="zh-CN" dirty="0" smtClean="0"/>
-              <a:t>Resilient Distributed Datasets(RDDs)</a:t>
-            </a:r>
+              <a:t>、容错</a:t>
+            </a:r>
+            <a:endParaRPr lang="en-US" altLang="zh-CN" dirty="0" smtClean="0"/>
           </a:p>
           <a:p>
             <a:pPr marL="971550" lvl="1" indent="-514350">
@@ -3761,20 +3787,6 @@
             </a:r>
             <a:r>
               <a:rPr lang="zh-CN" altLang="en-US" dirty="0" smtClean="0"/>
-              <a:t>、容错</a:t>
-            </a:r>
-            <a:endParaRPr lang="en-US" altLang="zh-CN" dirty="0" smtClean="0"/>
-          </a:p>
-          <a:p>
-            <a:pPr marL="971550" lvl="1" indent="-514350">
-              <a:buNone/>
-            </a:pPr>
-            <a:r>
-              <a:rPr lang="en-US" altLang="zh-CN" dirty="0" smtClean="0"/>
-              <a:t>4</a:t>
-            </a:r>
-            <a:r>
-              <a:rPr lang="zh-CN" altLang="en-US" dirty="0" smtClean="0"/>
               <a:t>、在</a:t>
             </a:r>
             <a:r>
@@ -3788,6 +3800,19 @@
             <a:r>
               <a:rPr lang="en-US" altLang="zh-CN" dirty="0" smtClean="0"/>
               <a:t>SQL</a:t>
+            </a:r>
+          </a:p>
+          <a:p>
+            <a:pPr marL="571500" indent="-514350">
+              <a:buNone/>
+            </a:pPr>
+            <a:r>
+              <a:rPr lang="zh-CN" altLang="en-US" dirty="0" smtClean="0"/>
+              <a:t>三、</a:t>
+            </a:r>
+            <a:r>
+              <a:rPr lang="en-US" altLang="zh-CN" dirty="0" smtClean="0"/>
+              <a:t>Shark</a:t>
             </a:r>
             <a:endParaRPr lang="zh-CN" altLang="en-US" dirty="0"/>
           </a:p>
@@ -4017,6 +4042,13 @@
   <p:clrMapOvr>
     <a:masterClrMapping/>
   </p:clrMapOvr>
+  <p:timing>
+    <p:tnLst>
+      <p:par>
+        <p:cTn id="1" dur="indefinite" restart="never" nodeType="tmRoot"/>
+      </p:par>
+    </p:tnLst>
+  </p:timing>
 </p:sld>
 </file>
 
@@ -5922,10 +5954,10 @@
                         </a:spcAft>
                       </a:pPr>
                       <a:r>
-                        <a:rPr lang="en-US" sz="1800"/>
+                        <a:rPr lang="en-US" sz="1800" dirty="0"/>
                         <a:t>union() :</a:t>
                       </a:r>
-                      <a:endParaRPr lang="zh-CN" sz="1800">
+                      <a:endParaRPr lang="zh-CN" sz="1800" dirty="0">
                         <a:latin typeface="Times New Roman"/>
                         <a:ea typeface="PMingLiU"/>
                       </a:endParaRPr>
